--- a/_book/plot/unnamed-chunk-108-1.pptx
+++ b/_book/plot/unnamed-chunk-108-1.pptx
@@ -3192,8 +3192,8 @@
           </p:nvSpPr>
           <p:spPr>
             <a:xfrm>
-              <a:off x="2023549" y="1590617"/>
-              <a:ext cx="6913543" cy="4048310"/>
+              <a:off x="2217943" y="1809173"/>
+              <a:ext cx="2193323" cy="3245468"/>
             </a:xfrm>
             <a:prstGeom prst="rect">
               <a:avLst/>
@@ -3218,28 +3218,28 @@
           </p:nvSpPr>
           <p:spPr>
             <a:xfrm>
-              <a:off x="2769037" y="1590617"/>
-              <a:ext cx="0" cy="4048310"/>
+              <a:off x="2217943" y="4446770"/>
+              <a:ext cx="2193323" cy="0"/>
             </a:xfrm>
             <a:custGeom>
               <a:avLst/>
               <a:pathLst>
-                <a:path w="0" h="4048310">
+                <a:path w="2193323" h="0">
                   <a:moveTo>
-                    <a:pt x="0" y="4048310"/>
+                    <a:pt x="0" y="0"/>
                   </a:moveTo>
                   <a:lnTo>
-                    <a:pt x="0" y="0"/>
-                  </a:lnTo>
-                  <a:lnTo>
-                    <a:pt x="0" y="0"/>
+                    <a:pt x="2193323" y="0"/>
+                  </a:lnTo>
+                  <a:lnTo>
+                    <a:pt x="2193323" y="0"/>
                   </a:lnTo>
                 </a:path>
               </a:pathLst>
             </a:custGeom>
-            <a:ln w="3387" cap="flat">
+            <a:ln w="6775" cap="flat">
               <a:solidFill>
-                <a:srgbClr val="DEDEDE">
+                <a:srgbClr val="EBEBEB">
                   <a:alpha val="100000"/>
                 </a:srgbClr>
               </a:solidFill>
@@ -3261,28 +3261,28 @@
           </p:nvSpPr>
           <p:spPr>
             <a:xfrm>
-              <a:off x="4260015" y="1590617"/>
-              <a:ext cx="0" cy="4048310"/>
+              <a:off x="2217943" y="3526069"/>
+              <a:ext cx="2193323" cy="0"/>
             </a:xfrm>
             <a:custGeom>
               <a:avLst/>
               <a:pathLst>
-                <a:path w="0" h="4048310">
+                <a:path w="2193323" h="0">
                   <a:moveTo>
-                    <a:pt x="0" y="4048310"/>
+                    <a:pt x="0" y="0"/>
                   </a:moveTo>
                   <a:lnTo>
-                    <a:pt x="0" y="0"/>
-                  </a:lnTo>
-                  <a:lnTo>
-                    <a:pt x="0" y="0"/>
+                    <a:pt x="2193323" y="0"/>
+                  </a:lnTo>
+                  <a:lnTo>
+                    <a:pt x="2193323" y="0"/>
                   </a:lnTo>
                 </a:path>
               </a:pathLst>
             </a:custGeom>
-            <a:ln w="3387" cap="flat">
+            <a:ln w="6775" cap="flat">
               <a:solidFill>
-                <a:srgbClr val="DEDEDE">
+                <a:srgbClr val="EBEBEB">
                   <a:alpha val="100000"/>
                 </a:srgbClr>
               </a:solidFill>
@@ -3304,28 +3304,28 @@
           </p:nvSpPr>
           <p:spPr>
             <a:xfrm>
-              <a:off x="5750992" y="1590617"/>
-              <a:ext cx="0" cy="4048310"/>
+              <a:off x="2217943" y="2605369"/>
+              <a:ext cx="2193323" cy="0"/>
             </a:xfrm>
             <a:custGeom>
               <a:avLst/>
               <a:pathLst>
-                <a:path w="0" h="4048310">
+                <a:path w="2193323" h="0">
                   <a:moveTo>
-                    <a:pt x="0" y="4048310"/>
+                    <a:pt x="0" y="0"/>
                   </a:moveTo>
                   <a:lnTo>
-                    <a:pt x="0" y="0"/>
-                  </a:lnTo>
-                  <a:lnTo>
-                    <a:pt x="0" y="0"/>
+                    <a:pt x="2193323" y="0"/>
+                  </a:lnTo>
+                  <a:lnTo>
+                    <a:pt x="2193323" y="0"/>
                   </a:lnTo>
                 </a:path>
               </a:pathLst>
             </a:custGeom>
-            <a:ln w="3387" cap="flat">
+            <a:ln w="6775" cap="flat">
               <a:solidFill>
-                <a:srgbClr val="DEDEDE">
+                <a:srgbClr val="EBEBEB">
                   <a:alpha val="100000"/>
                 </a:srgbClr>
               </a:solidFill>
@@ -3347,28 +3347,28 @@
           </p:nvSpPr>
           <p:spPr>
             <a:xfrm>
-              <a:off x="7241970" y="1590617"/>
-              <a:ext cx="0" cy="4048310"/>
+              <a:off x="2217943" y="4907120"/>
+              <a:ext cx="2193323" cy="0"/>
             </a:xfrm>
             <a:custGeom>
               <a:avLst/>
               <a:pathLst>
-                <a:path w="0" h="4048310">
+                <a:path w="2193323" h="0">
                   <a:moveTo>
-                    <a:pt x="0" y="4048310"/>
+                    <a:pt x="0" y="0"/>
                   </a:moveTo>
                   <a:lnTo>
-                    <a:pt x="0" y="0"/>
-                  </a:lnTo>
-                  <a:lnTo>
-                    <a:pt x="0" y="0"/>
+                    <a:pt x="2193323" y="0"/>
+                  </a:lnTo>
+                  <a:lnTo>
+                    <a:pt x="2193323" y="0"/>
                   </a:lnTo>
                 </a:path>
               </a:pathLst>
             </a:custGeom>
-            <a:ln w="3387" cap="flat">
+            <a:ln w="13550" cap="flat">
               <a:solidFill>
-                <a:srgbClr val="DEDEDE">
+                <a:srgbClr val="EBEBEB">
                   <a:alpha val="100000"/>
                 </a:srgbClr>
               </a:solidFill>
@@ -3390,28 +3390,28 @@
           </p:nvSpPr>
           <p:spPr>
             <a:xfrm>
-              <a:off x="8732947" y="1590617"/>
-              <a:ext cx="0" cy="4048310"/>
+              <a:off x="2217943" y="3986419"/>
+              <a:ext cx="2193323" cy="0"/>
             </a:xfrm>
             <a:custGeom>
               <a:avLst/>
               <a:pathLst>
-                <a:path w="0" h="4048310">
+                <a:path w="2193323" h="0">
                   <a:moveTo>
-                    <a:pt x="0" y="4048310"/>
+                    <a:pt x="0" y="0"/>
                   </a:moveTo>
                   <a:lnTo>
-                    <a:pt x="0" y="0"/>
-                  </a:lnTo>
-                  <a:lnTo>
-                    <a:pt x="0" y="0"/>
+                    <a:pt x="2193323" y="0"/>
+                  </a:lnTo>
+                  <a:lnTo>
+                    <a:pt x="2193323" y="0"/>
                   </a:lnTo>
                 </a:path>
               </a:pathLst>
             </a:custGeom>
-            <a:ln w="3387" cap="flat">
+            <a:ln w="13550" cap="flat">
               <a:solidFill>
-                <a:srgbClr val="DEDEDE">
+                <a:srgbClr val="EBEBEB">
                   <a:alpha val="100000"/>
                 </a:srgbClr>
               </a:solidFill>
@@ -3433,28 +3433,28 @@
           </p:nvSpPr>
           <p:spPr>
             <a:xfrm>
-              <a:off x="2023549" y="5374907"/>
-              <a:ext cx="6913543" cy="0"/>
+              <a:off x="2217943" y="3065719"/>
+              <a:ext cx="2193323" cy="0"/>
             </a:xfrm>
             <a:custGeom>
               <a:avLst/>
               <a:pathLst>
-                <a:path w="6913543" h="0">
+                <a:path w="2193323" h="0">
                   <a:moveTo>
                     <a:pt x="0" y="0"/>
                   </a:moveTo>
                   <a:lnTo>
-                    <a:pt x="6913543" y="0"/>
-                  </a:lnTo>
-                  <a:lnTo>
-                    <a:pt x="6913543" y="0"/>
+                    <a:pt x="2193323" y="0"/>
+                  </a:lnTo>
+                  <a:lnTo>
+                    <a:pt x="2193323" y="0"/>
                   </a:lnTo>
                 </a:path>
               </a:pathLst>
             </a:custGeom>
-            <a:ln w="6775" cap="flat">
+            <a:ln w="13550" cap="flat">
               <a:solidFill>
-                <a:srgbClr val="DEDEDE">
+                <a:srgbClr val="EBEBEB">
                   <a:alpha val="100000"/>
                 </a:srgbClr>
               </a:solidFill>
@@ -3476,28 +3476,28 @@
           </p:nvSpPr>
           <p:spPr>
             <a:xfrm>
-              <a:off x="2023549" y="4934873"/>
-              <a:ext cx="6913543" cy="0"/>
+              <a:off x="2217943" y="2145019"/>
+              <a:ext cx="2193323" cy="0"/>
             </a:xfrm>
             <a:custGeom>
               <a:avLst/>
               <a:pathLst>
-                <a:path w="6913543" h="0">
+                <a:path w="2193323" h="0">
                   <a:moveTo>
                     <a:pt x="0" y="0"/>
                   </a:moveTo>
                   <a:lnTo>
-                    <a:pt x="6913543" y="0"/>
-                  </a:lnTo>
-                  <a:lnTo>
-                    <a:pt x="6913543" y="0"/>
+                    <a:pt x="2193323" y="0"/>
+                  </a:lnTo>
+                  <a:lnTo>
+                    <a:pt x="2193323" y="0"/>
                   </a:lnTo>
                 </a:path>
               </a:pathLst>
             </a:custGeom>
-            <a:ln w="6775" cap="flat">
+            <a:ln w="13550" cap="flat">
               <a:solidFill>
-                <a:srgbClr val="DEDEDE">
+                <a:srgbClr val="EBEBEB">
                   <a:alpha val="100000"/>
                 </a:srgbClr>
               </a:solidFill>
@@ -3519,28 +3519,28 @@
           </p:nvSpPr>
           <p:spPr>
             <a:xfrm>
-              <a:off x="2023549" y="4494840"/>
-              <a:ext cx="6913543" cy="0"/>
+              <a:off x="2378430" y="1809173"/>
+              <a:ext cx="0" cy="3245468"/>
             </a:xfrm>
             <a:custGeom>
               <a:avLst/>
               <a:pathLst>
-                <a:path w="6913543" h="0">
+                <a:path w="0" h="3245468">
                   <a:moveTo>
-                    <a:pt x="0" y="0"/>
+                    <a:pt x="0" y="3245468"/>
                   </a:moveTo>
                   <a:lnTo>
-                    <a:pt x="6913543" y="0"/>
-                  </a:lnTo>
-                  <a:lnTo>
-                    <a:pt x="6913543" y="0"/>
+                    <a:pt x="0" y="0"/>
+                  </a:lnTo>
+                  <a:lnTo>
+                    <a:pt x="0" y="0"/>
                   </a:lnTo>
                 </a:path>
               </a:pathLst>
             </a:custGeom>
-            <a:ln w="6775" cap="flat">
+            <a:ln w="13550" cap="flat">
               <a:solidFill>
-                <a:srgbClr val="DEDEDE">
+                <a:srgbClr val="EBEBEB">
                   <a:alpha val="100000"/>
                 </a:srgbClr>
               </a:solidFill>
@@ -3562,28 +3562,28 @@
           </p:nvSpPr>
           <p:spPr>
             <a:xfrm>
-              <a:off x="2023549" y="4054806"/>
-              <a:ext cx="6913543" cy="0"/>
+              <a:off x="2645909" y="1809173"/>
+              <a:ext cx="0" cy="3245468"/>
             </a:xfrm>
             <a:custGeom>
               <a:avLst/>
               <a:pathLst>
-                <a:path w="6913543" h="0">
+                <a:path w="0" h="3245468">
                   <a:moveTo>
-                    <a:pt x="0" y="0"/>
+                    <a:pt x="0" y="3245468"/>
                   </a:moveTo>
                   <a:lnTo>
-                    <a:pt x="6913543" y="0"/>
-                  </a:lnTo>
-                  <a:lnTo>
-                    <a:pt x="6913543" y="0"/>
+                    <a:pt x="0" y="0"/>
+                  </a:lnTo>
+                  <a:lnTo>
+                    <a:pt x="0" y="0"/>
                   </a:lnTo>
                 </a:path>
               </a:pathLst>
             </a:custGeom>
-            <a:ln w="6775" cap="flat">
+            <a:ln w="13550" cap="flat">
               <a:solidFill>
-                <a:srgbClr val="DEDEDE">
+                <a:srgbClr val="EBEBEB">
                   <a:alpha val="100000"/>
                 </a:srgbClr>
               </a:solidFill>
@@ -3605,28 +3605,28 @@
           </p:nvSpPr>
           <p:spPr>
             <a:xfrm>
-              <a:off x="2023549" y="3614772"/>
-              <a:ext cx="6913543" cy="0"/>
+              <a:off x="2913387" y="1809173"/>
+              <a:ext cx="0" cy="3245468"/>
             </a:xfrm>
             <a:custGeom>
               <a:avLst/>
               <a:pathLst>
-                <a:path w="6913543" h="0">
+                <a:path w="0" h="3245468">
                   <a:moveTo>
-                    <a:pt x="0" y="0"/>
+                    <a:pt x="0" y="3245468"/>
                   </a:moveTo>
                   <a:lnTo>
-                    <a:pt x="6913543" y="0"/>
-                  </a:lnTo>
-                  <a:lnTo>
-                    <a:pt x="6913543" y="0"/>
+                    <a:pt x="0" y="0"/>
+                  </a:lnTo>
+                  <a:lnTo>
+                    <a:pt x="0" y="0"/>
                   </a:lnTo>
                 </a:path>
               </a:pathLst>
             </a:custGeom>
-            <a:ln w="6775" cap="flat">
+            <a:ln w="13550" cap="flat">
               <a:solidFill>
-                <a:srgbClr val="DEDEDE">
+                <a:srgbClr val="EBEBEB">
                   <a:alpha val="100000"/>
                 </a:srgbClr>
               </a:solidFill>
@@ -3648,28 +3648,28 @@
           </p:nvSpPr>
           <p:spPr>
             <a:xfrm>
-              <a:off x="2023549" y="3174738"/>
-              <a:ext cx="6913543" cy="0"/>
+              <a:off x="3180866" y="1809173"/>
+              <a:ext cx="0" cy="3245468"/>
             </a:xfrm>
             <a:custGeom>
               <a:avLst/>
               <a:pathLst>
-                <a:path w="6913543" h="0">
+                <a:path w="0" h="3245468">
                   <a:moveTo>
-                    <a:pt x="0" y="0"/>
+                    <a:pt x="0" y="3245468"/>
                   </a:moveTo>
                   <a:lnTo>
-                    <a:pt x="6913543" y="0"/>
-                  </a:lnTo>
-                  <a:lnTo>
-                    <a:pt x="6913543" y="0"/>
+                    <a:pt x="0" y="0"/>
+                  </a:lnTo>
+                  <a:lnTo>
+                    <a:pt x="0" y="0"/>
                   </a:lnTo>
                 </a:path>
               </a:pathLst>
             </a:custGeom>
-            <a:ln w="6775" cap="flat">
+            <a:ln w="13550" cap="flat">
               <a:solidFill>
-                <a:srgbClr val="DEDEDE">
+                <a:srgbClr val="EBEBEB">
                   <a:alpha val="100000"/>
                 </a:srgbClr>
               </a:solidFill>
@@ -3691,28 +3691,28 @@
           </p:nvSpPr>
           <p:spPr>
             <a:xfrm>
-              <a:off x="2023549" y="2734705"/>
-              <a:ext cx="6913543" cy="0"/>
+              <a:off x="3448344" y="1809173"/>
+              <a:ext cx="0" cy="3245468"/>
             </a:xfrm>
             <a:custGeom>
               <a:avLst/>
               <a:pathLst>
-                <a:path w="6913543" h="0">
+                <a:path w="0" h="3245468">
                   <a:moveTo>
-                    <a:pt x="0" y="0"/>
+                    <a:pt x="0" y="3245468"/>
                   </a:moveTo>
                   <a:lnTo>
-                    <a:pt x="6913543" y="0"/>
-                  </a:lnTo>
-                  <a:lnTo>
-                    <a:pt x="6913543" y="0"/>
+                    <a:pt x="0" y="0"/>
+                  </a:lnTo>
+                  <a:lnTo>
+                    <a:pt x="0" y="0"/>
                   </a:lnTo>
                 </a:path>
               </a:pathLst>
             </a:custGeom>
-            <a:ln w="6775" cap="flat">
+            <a:ln w="13550" cap="flat">
               <a:solidFill>
-                <a:srgbClr val="DEDEDE">
+                <a:srgbClr val="EBEBEB">
                   <a:alpha val="100000"/>
                 </a:srgbClr>
               </a:solidFill>
@@ -3734,28 +3734,28 @@
           </p:nvSpPr>
           <p:spPr>
             <a:xfrm>
-              <a:off x="2023549" y="2294671"/>
-              <a:ext cx="6913543" cy="0"/>
+              <a:off x="3715823" y="1809173"/>
+              <a:ext cx="0" cy="3245468"/>
             </a:xfrm>
             <a:custGeom>
               <a:avLst/>
               <a:pathLst>
-                <a:path w="6913543" h="0">
+                <a:path w="0" h="3245468">
                   <a:moveTo>
-                    <a:pt x="0" y="0"/>
+                    <a:pt x="0" y="3245468"/>
                   </a:moveTo>
                   <a:lnTo>
-                    <a:pt x="6913543" y="0"/>
-                  </a:lnTo>
-                  <a:lnTo>
-                    <a:pt x="6913543" y="0"/>
+                    <a:pt x="0" y="0"/>
+                  </a:lnTo>
+                  <a:lnTo>
+                    <a:pt x="0" y="0"/>
                   </a:lnTo>
                 </a:path>
               </a:pathLst>
             </a:custGeom>
-            <a:ln w="6775" cap="flat">
+            <a:ln w="13550" cap="flat">
               <a:solidFill>
-                <a:srgbClr val="DEDEDE">
+                <a:srgbClr val="EBEBEB">
                   <a:alpha val="100000"/>
                 </a:srgbClr>
               </a:solidFill>
@@ -3777,28 +3777,28 @@
           </p:nvSpPr>
           <p:spPr>
             <a:xfrm>
-              <a:off x="2023549" y="1854637"/>
-              <a:ext cx="6913543" cy="0"/>
+              <a:off x="3983301" y="1809173"/>
+              <a:ext cx="0" cy="3245468"/>
             </a:xfrm>
             <a:custGeom>
               <a:avLst/>
               <a:pathLst>
-                <a:path w="6913543" h="0">
+                <a:path w="0" h="3245468">
                   <a:moveTo>
-                    <a:pt x="0" y="0"/>
+                    <a:pt x="0" y="3245468"/>
                   </a:moveTo>
                   <a:lnTo>
-                    <a:pt x="6913543" y="0"/>
-                  </a:lnTo>
-                  <a:lnTo>
-                    <a:pt x="6913543" y="0"/>
+                    <a:pt x="0" y="0"/>
+                  </a:lnTo>
+                  <a:lnTo>
+                    <a:pt x="0" y="0"/>
                   </a:lnTo>
                 </a:path>
               </a:pathLst>
             </a:custGeom>
-            <a:ln w="6775" cap="flat">
+            <a:ln w="13550" cap="flat">
               <a:solidFill>
-                <a:srgbClr val="DEDEDE">
+                <a:srgbClr val="EBEBEB">
                   <a:alpha val="100000"/>
                 </a:srgbClr>
               </a:solidFill>
@@ -3820,15 +3820,15 @@
           </p:nvSpPr>
           <p:spPr>
             <a:xfrm>
-              <a:off x="2023549" y="1590617"/>
-              <a:ext cx="0" cy="4048310"/>
+              <a:off x="4250780" y="1809173"/>
+              <a:ext cx="0" cy="3245468"/>
             </a:xfrm>
             <a:custGeom>
               <a:avLst/>
               <a:pathLst>
-                <a:path w="0" h="4048310">
+                <a:path w="0" h="3245468">
                   <a:moveTo>
-                    <a:pt x="0" y="4048310"/>
+                    <a:pt x="0" y="3245468"/>
                   </a:moveTo>
                   <a:lnTo>
                     <a:pt x="0" y="0"/>
@@ -3839,9 +3839,9 @@
                 </a:path>
               </a:pathLst>
             </a:custGeom>
-            <a:ln w="6775" cap="flat">
+            <a:ln w="13550" cap="flat">
               <a:solidFill>
-                <a:srgbClr val="DEDEDE">
+                <a:srgbClr val="EBEBEB">
                   <a:alpha val="100000"/>
                 </a:srgbClr>
               </a:solidFill>
@@ -3857,34 +3857,229 @@
         </p:sp>
         <p:sp>
           <p:nvSpPr>
-            <p:cNvPr id="21" name="pl21"/>
-            <p:cNvSpPr/>
-            <p:nvPr/>
-          </p:nvSpPr>
-          <p:spPr>
-            <a:xfrm>
-              <a:off x="3514526" y="1590617"/>
-              <a:ext cx="0" cy="4048310"/>
-            </a:xfrm>
-            <a:custGeom>
-              <a:avLst/>
-              <a:pathLst>
-                <a:path w="0" h="4048310">
-                  <a:moveTo>
-                    <a:pt x="0" y="4048310"/>
-                  </a:moveTo>
-                  <a:lnTo>
-                    <a:pt x="0" y="0"/>
-                  </a:lnTo>
-                  <a:lnTo>
-                    <a:pt x="0" y="0"/>
-                  </a:lnTo>
-                </a:path>
-              </a:pathLst>
-            </a:custGeom>
-            <a:ln w="6775" cap="flat">
+            <p:cNvPr id="21" name="rc21"/>
+            <p:cNvSpPr/>
+            <p:nvPr/>
+          </p:nvSpPr>
+          <p:spPr>
+            <a:xfrm>
+              <a:off x="2258065" y="1956694"/>
+              <a:ext cx="240730" cy="2950425"/>
+            </a:xfrm>
+            <a:prstGeom prst="rect">
+              <a:avLst/>
+            </a:prstGeom>
+            <a:solidFill>
+              <a:srgbClr val="FFF5F0">
+                <a:alpha val="100000"/>
+              </a:srgbClr>
+            </a:solidFill>
+          </p:spPr>
+          <p:txBody>
+            <a:bodyPr/>
+            <a:lstStyle/>
+            <a:p/>
+          </p:txBody>
+        </p:sp>
+        <p:sp>
+          <p:nvSpPr>
+            <p:cNvPr id="22" name="rc22"/>
+            <p:cNvSpPr/>
+            <p:nvPr/>
+          </p:nvSpPr>
+          <p:spPr>
+            <a:xfrm>
+              <a:off x="2525543" y="4823420"/>
+              <a:ext cx="240730" cy="83700"/>
+            </a:xfrm>
+            <a:prstGeom prst="rect">
+              <a:avLst/>
+            </a:prstGeom>
+            <a:solidFill>
+              <a:srgbClr val="FEE0D2">
+                <a:alpha val="100000"/>
+              </a:srgbClr>
+            </a:solidFill>
+          </p:spPr>
+          <p:txBody>
+            <a:bodyPr/>
+            <a:lstStyle/>
+            <a:p/>
+          </p:txBody>
+        </p:sp>
+        <p:sp>
+          <p:nvSpPr>
+            <p:cNvPr id="23" name="rc23"/>
+            <p:cNvSpPr/>
+            <p:nvPr/>
+          </p:nvSpPr>
+          <p:spPr>
+            <a:xfrm>
+              <a:off x="2793022" y="2563519"/>
+              <a:ext cx="240730" cy="2343600"/>
+            </a:xfrm>
+            <a:prstGeom prst="rect">
+              <a:avLst/>
+            </a:prstGeom>
+            <a:solidFill>
+              <a:srgbClr val="FCBBA1">
+                <a:alpha val="100000"/>
+              </a:srgbClr>
+            </a:solidFill>
+          </p:spPr>
+          <p:txBody>
+            <a:bodyPr/>
+            <a:lstStyle/>
+            <a:p/>
+          </p:txBody>
+        </p:sp>
+        <p:sp>
+          <p:nvSpPr>
+            <p:cNvPr id="24" name="rc24"/>
+            <p:cNvSpPr/>
+            <p:nvPr/>
+          </p:nvSpPr>
+          <p:spPr>
+            <a:xfrm>
+              <a:off x="3060500" y="4216594"/>
+              <a:ext cx="240730" cy="690525"/>
+            </a:xfrm>
+            <a:prstGeom prst="rect">
+              <a:avLst/>
+            </a:prstGeom>
+            <a:solidFill>
+              <a:srgbClr val="FC9272">
+                <a:alpha val="100000"/>
+              </a:srgbClr>
+            </a:solidFill>
+          </p:spPr>
+          <p:txBody>
+            <a:bodyPr/>
+            <a:lstStyle/>
+            <a:p/>
+          </p:txBody>
+        </p:sp>
+        <p:sp>
+          <p:nvSpPr>
+            <p:cNvPr id="25" name="rc25"/>
+            <p:cNvSpPr/>
+            <p:nvPr/>
+          </p:nvSpPr>
+          <p:spPr>
+            <a:xfrm>
+              <a:off x="3327979" y="4739720"/>
+              <a:ext cx="240730" cy="167400"/>
+            </a:xfrm>
+            <a:prstGeom prst="rect">
+              <a:avLst/>
+            </a:prstGeom>
+            <a:solidFill>
+              <a:srgbClr val="FB6A4A">
+                <a:alpha val="100000"/>
+              </a:srgbClr>
+            </a:solidFill>
+          </p:spPr>
+          <p:txBody>
+            <a:bodyPr/>
+            <a:lstStyle/>
+            <a:p/>
+          </p:txBody>
+        </p:sp>
+        <p:sp>
+          <p:nvSpPr>
+            <p:cNvPr id="26" name="rc26"/>
+            <p:cNvSpPr/>
+            <p:nvPr/>
+          </p:nvSpPr>
+          <p:spPr>
+            <a:xfrm>
+              <a:off x="3595457" y="3714394"/>
+              <a:ext cx="240730" cy="1192725"/>
+            </a:xfrm>
+            <a:prstGeom prst="rect">
+              <a:avLst/>
+            </a:prstGeom>
+            <a:solidFill>
+              <a:srgbClr val="EF3B2C">
+                <a:alpha val="100000"/>
+              </a:srgbClr>
+            </a:solidFill>
+          </p:spPr>
+          <p:txBody>
+            <a:bodyPr/>
+            <a:lstStyle/>
+            <a:p/>
+          </p:txBody>
+        </p:sp>
+        <p:sp>
+          <p:nvSpPr>
+            <p:cNvPr id="27" name="rc27"/>
+            <p:cNvSpPr/>
+            <p:nvPr/>
+          </p:nvSpPr>
+          <p:spPr>
+            <a:xfrm>
+              <a:off x="3862936" y="4823420"/>
+              <a:ext cx="240730" cy="83700"/>
+            </a:xfrm>
+            <a:prstGeom prst="rect">
+              <a:avLst/>
+            </a:prstGeom>
+            <a:solidFill>
+              <a:srgbClr val="CB181D">
+                <a:alpha val="100000"/>
+              </a:srgbClr>
+            </a:solidFill>
+          </p:spPr>
+          <p:txBody>
+            <a:bodyPr/>
+            <a:lstStyle/>
+            <a:p/>
+          </p:txBody>
+        </p:sp>
+        <p:sp>
+          <p:nvSpPr>
+            <p:cNvPr id="28" name="rc28"/>
+            <p:cNvSpPr/>
+            <p:nvPr/>
+          </p:nvSpPr>
+          <p:spPr>
+            <a:xfrm>
+              <a:off x="4130414" y="3212194"/>
+              <a:ext cx="240730" cy="1694925"/>
+            </a:xfrm>
+            <a:prstGeom prst="rect">
+              <a:avLst/>
+            </a:prstGeom>
+            <a:solidFill>
+              <a:srgbClr val="99000D">
+                <a:alpha val="100000"/>
+              </a:srgbClr>
+            </a:solidFill>
+          </p:spPr>
+          <p:txBody>
+            <a:bodyPr/>
+            <a:lstStyle/>
+            <a:p/>
+          </p:txBody>
+        </p:sp>
+        <p:sp>
+          <p:nvSpPr>
+            <p:cNvPr id="29" name="rc29"/>
+            <p:cNvSpPr/>
+            <p:nvPr/>
+          </p:nvSpPr>
+          <p:spPr>
+            <a:xfrm>
+              <a:off x="2217943" y="1809173"/>
+              <a:ext cx="2193323" cy="3245468"/>
+            </a:xfrm>
+            <a:prstGeom prst="rect">
+              <a:avLst/>
+            </a:prstGeom>
+            <a:ln w="13550" cap="rnd">
               <a:solidFill>
-                <a:srgbClr val="DEDEDE">
+                <a:srgbClr val="333333">
                   <a:alpha val="100000"/>
                 </a:srgbClr>
               </a:solidFill>
@@ -3900,34 +4095,60 @@
         </p:sp>
         <p:sp>
           <p:nvSpPr>
-            <p:cNvPr id="22" name="pl22"/>
-            <p:cNvSpPr/>
-            <p:nvPr/>
-          </p:nvSpPr>
-          <p:spPr>
-            <a:xfrm>
-              <a:off x="5005504" y="1590617"/>
-              <a:ext cx="0" cy="4048310"/>
+            <p:cNvPr id="30" name="rc30"/>
+            <p:cNvSpPr/>
+            <p:nvPr/>
+          </p:nvSpPr>
+          <p:spPr>
+            <a:xfrm>
+              <a:off x="4480856" y="1809173"/>
+              <a:ext cx="2193323" cy="3245468"/>
+            </a:xfrm>
+            <a:prstGeom prst="rect">
+              <a:avLst/>
+            </a:prstGeom>
+            <a:solidFill>
+              <a:srgbClr val="FFFFFF">
+                <a:alpha val="100000"/>
+              </a:srgbClr>
+            </a:solidFill>
+          </p:spPr>
+          <p:txBody>
+            <a:bodyPr/>
+            <a:lstStyle/>
+            <a:p/>
+          </p:txBody>
+        </p:sp>
+        <p:sp>
+          <p:nvSpPr>
+            <p:cNvPr id="31" name="pl31"/>
+            <p:cNvSpPr/>
+            <p:nvPr/>
+          </p:nvSpPr>
+          <p:spPr>
+            <a:xfrm>
+              <a:off x="4480856" y="4446770"/>
+              <a:ext cx="2193323" cy="0"/>
             </a:xfrm>
             <a:custGeom>
               <a:avLst/>
               <a:pathLst>
-                <a:path w="0" h="4048310">
+                <a:path w="2193323" h="0">
                   <a:moveTo>
-                    <a:pt x="0" y="4048310"/>
+                    <a:pt x="0" y="0"/>
                   </a:moveTo>
                   <a:lnTo>
-                    <a:pt x="0" y="0"/>
-                  </a:lnTo>
-                  <a:lnTo>
-                    <a:pt x="0" y="0"/>
+                    <a:pt x="2193323" y="0"/>
+                  </a:lnTo>
+                  <a:lnTo>
+                    <a:pt x="2193323" y="0"/>
                   </a:lnTo>
                 </a:path>
               </a:pathLst>
             </a:custGeom>
             <a:ln w="6775" cap="flat">
               <a:solidFill>
-                <a:srgbClr val="DEDEDE">
+                <a:srgbClr val="EBEBEB">
                   <a:alpha val="100000"/>
                 </a:srgbClr>
               </a:solidFill>
@@ -3943,34 +4164,34 @@
         </p:sp>
         <p:sp>
           <p:nvSpPr>
-            <p:cNvPr id="23" name="pl23"/>
-            <p:cNvSpPr/>
-            <p:nvPr/>
-          </p:nvSpPr>
-          <p:spPr>
-            <a:xfrm>
-              <a:off x="6496481" y="1590617"/>
-              <a:ext cx="0" cy="4048310"/>
+            <p:cNvPr id="32" name="pl32"/>
+            <p:cNvSpPr/>
+            <p:nvPr/>
+          </p:nvSpPr>
+          <p:spPr>
+            <a:xfrm>
+              <a:off x="4480856" y="3526069"/>
+              <a:ext cx="2193323" cy="0"/>
             </a:xfrm>
             <a:custGeom>
               <a:avLst/>
               <a:pathLst>
-                <a:path w="0" h="4048310">
+                <a:path w="2193323" h="0">
                   <a:moveTo>
-                    <a:pt x="0" y="4048310"/>
+                    <a:pt x="0" y="0"/>
                   </a:moveTo>
                   <a:lnTo>
-                    <a:pt x="0" y="0"/>
-                  </a:lnTo>
-                  <a:lnTo>
-                    <a:pt x="0" y="0"/>
+                    <a:pt x="2193323" y="0"/>
+                  </a:lnTo>
+                  <a:lnTo>
+                    <a:pt x="2193323" y="0"/>
                   </a:lnTo>
                 </a:path>
               </a:pathLst>
             </a:custGeom>
             <a:ln w="6775" cap="flat">
               <a:solidFill>
-                <a:srgbClr val="DEDEDE">
+                <a:srgbClr val="EBEBEB">
                   <a:alpha val="100000"/>
                 </a:srgbClr>
               </a:solidFill>
@@ -3986,34 +4207,34 @@
         </p:sp>
         <p:sp>
           <p:nvSpPr>
-            <p:cNvPr id="24" name="pl24"/>
-            <p:cNvSpPr/>
-            <p:nvPr/>
-          </p:nvSpPr>
-          <p:spPr>
-            <a:xfrm>
-              <a:off x="7987459" y="1590617"/>
-              <a:ext cx="0" cy="4048310"/>
+            <p:cNvPr id="33" name="pl33"/>
+            <p:cNvSpPr/>
+            <p:nvPr/>
+          </p:nvSpPr>
+          <p:spPr>
+            <a:xfrm>
+              <a:off x="4480856" y="2605369"/>
+              <a:ext cx="2193323" cy="0"/>
             </a:xfrm>
             <a:custGeom>
               <a:avLst/>
               <a:pathLst>
-                <a:path w="0" h="4048310">
+                <a:path w="2193323" h="0">
                   <a:moveTo>
-                    <a:pt x="0" y="4048310"/>
+                    <a:pt x="0" y="0"/>
                   </a:moveTo>
                   <a:lnTo>
-                    <a:pt x="0" y="0"/>
-                  </a:lnTo>
-                  <a:lnTo>
-                    <a:pt x="0" y="0"/>
+                    <a:pt x="2193323" y="0"/>
+                  </a:lnTo>
+                  <a:lnTo>
+                    <a:pt x="2193323" y="0"/>
                   </a:lnTo>
                 </a:path>
               </a:pathLst>
             </a:custGeom>
             <a:ln w="6775" cap="flat">
               <a:solidFill>
-                <a:srgbClr val="DEDEDE">
+                <a:srgbClr val="EBEBEB">
                   <a:alpha val="100000"/>
                 </a:srgbClr>
               </a:solidFill>
@@ -4029,669 +4250,34 @@
         </p:sp>
         <p:sp>
           <p:nvSpPr>
-            <p:cNvPr id="25" name="rc25"/>
-            <p:cNvSpPr/>
-            <p:nvPr/>
-          </p:nvSpPr>
-          <p:spPr>
-            <a:xfrm>
-              <a:off x="2023549" y="1656622"/>
-              <a:ext cx="6777983" cy="396030"/>
-            </a:xfrm>
-            <a:prstGeom prst="rect">
-              <a:avLst/>
-            </a:prstGeom>
-            <a:solidFill>
-              <a:srgbClr val="595959">
-                <a:alpha val="100000"/>
-              </a:srgbClr>
-            </a:solidFill>
-          </p:spPr>
-          <p:txBody>
-            <a:bodyPr/>
-            <a:lstStyle/>
-            <a:p/>
-          </p:txBody>
-        </p:sp>
-        <p:sp>
-          <p:nvSpPr>
-            <p:cNvPr id="26" name="rc26"/>
-            <p:cNvSpPr/>
-            <p:nvPr/>
-          </p:nvSpPr>
-          <p:spPr>
-            <a:xfrm>
-              <a:off x="2023549" y="2096656"/>
-              <a:ext cx="5725353" cy="396030"/>
-            </a:xfrm>
-            <a:prstGeom prst="rect">
-              <a:avLst/>
-            </a:prstGeom>
-            <a:solidFill>
-              <a:srgbClr val="595959">
-                <a:alpha val="100000"/>
-              </a:srgbClr>
-            </a:solidFill>
-          </p:spPr>
-          <p:txBody>
-            <a:bodyPr/>
-            <a:lstStyle/>
-            <a:p/>
-          </p:txBody>
-        </p:sp>
-        <p:sp>
-          <p:nvSpPr>
-            <p:cNvPr id="27" name="rc27"/>
-            <p:cNvSpPr/>
-            <p:nvPr/>
-          </p:nvSpPr>
-          <p:spPr>
-            <a:xfrm>
-              <a:off x="2023549" y="2536689"/>
-              <a:ext cx="5269114" cy="396030"/>
-            </a:xfrm>
-            <a:prstGeom prst="rect">
-              <a:avLst/>
-            </a:prstGeom>
-            <a:solidFill>
-              <a:srgbClr val="595959">
-                <a:alpha val="100000"/>
-              </a:srgbClr>
-            </a:solidFill>
-          </p:spPr>
-          <p:txBody>
-            <a:bodyPr/>
-            <a:lstStyle/>
-            <a:p/>
-          </p:txBody>
-        </p:sp>
-        <p:sp>
-          <p:nvSpPr>
-            <p:cNvPr id="28" name="rc28"/>
-            <p:cNvSpPr/>
-            <p:nvPr/>
-          </p:nvSpPr>
-          <p:spPr>
-            <a:xfrm>
-              <a:off x="2023549" y="2976723"/>
-              <a:ext cx="4481878" cy="396030"/>
-            </a:xfrm>
-            <a:prstGeom prst="rect">
-              <a:avLst/>
-            </a:prstGeom>
-            <a:solidFill>
-              <a:srgbClr val="595959">
-                <a:alpha val="100000"/>
-              </a:srgbClr>
-            </a:solidFill>
-          </p:spPr>
-          <p:txBody>
-            <a:bodyPr/>
-            <a:lstStyle/>
-            <a:p/>
-          </p:txBody>
-        </p:sp>
-        <p:sp>
-          <p:nvSpPr>
-            <p:cNvPr id="29" name="rc29"/>
-            <p:cNvSpPr/>
-            <p:nvPr/>
-          </p:nvSpPr>
-          <p:spPr>
-            <a:xfrm>
-              <a:off x="2023549" y="3416757"/>
-              <a:ext cx="4130007" cy="396030"/>
-            </a:xfrm>
-            <a:prstGeom prst="rect">
-              <a:avLst/>
-            </a:prstGeom>
-            <a:solidFill>
-              <a:srgbClr val="595959">
-                <a:alpha val="100000"/>
-              </a:srgbClr>
-            </a:solidFill>
-          </p:spPr>
-          <p:txBody>
-            <a:bodyPr/>
-            <a:lstStyle/>
-            <a:p/>
-          </p:txBody>
-        </p:sp>
-        <p:sp>
-          <p:nvSpPr>
-            <p:cNvPr id="30" name="rc30"/>
-            <p:cNvSpPr/>
-            <p:nvPr/>
-          </p:nvSpPr>
-          <p:spPr>
-            <a:xfrm>
-              <a:off x="2023549" y="3856791"/>
-              <a:ext cx="3843739" cy="396030"/>
-            </a:xfrm>
-            <a:prstGeom prst="rect">
-              <a:avLst/>
-            </a:prstGeom>
-            <a:solidFill>
-              <a:srgbClr val="595959">
-                <a:alpha val="100000"/>
-              </a:srgbClr>
-            </a:solidFill>
-          </p:spPr>
-          <p:txBody>
-            <a:bodyPr/>
-            <a:lstStyle/>
-            <a:p/>
-          </p:txBody>
-        </p:sp>
-        <p:sp>
-          <p:nvSpPr>
-            <p:cNvPr id="31" name="rc31"/>
-            <p:cNvSpPr/>
-            <p:nvPr/>
-          </p:nvSpPr>
-          <p:spPr>
-            <a:xfrm>
-              <a:off x="2023549" y="4296824"/>
-              <a:ext cx="2773218" cy="396030"/>
-            </a:xfrm>
-            <a:prstGeom prst="rect">
-              <a:avLst/>
-            </a:prstGeom>
-            <a:solidFill>
-              <a:srgbClr val="595959">
-                <a:alpha val="100000"/>
-              </a:srgbClr>
-            </a:solidFill>
-          </p:spPr>
-          <p:txBody>
-            <a:bodyPr/>
-            <a:lstStyle/>
-            <a:p/>
-          </p:txBody>
-        </p:sp>
-        <p:sp>
-          <p:nvSpPr>
-            <p:cNvPr id="32" name="rc32"/>
-            <p:cNvSpPr/>
-            <p:nvPr/>
-          </p:nvSpPr>
-          <p:spPr>
-            <a:xfrm>
-              <a:off x="2023549" y="4736858"/>
-              <a:ext cx="1780227" cy="396030"/>
-            </a:xfrm>
-            <a:prstGeom prst="rect">
-              <a:avLst/>
-            </a:prstGeom>
-            <a:solidFill>
-              <a:srgbClr val="595959">
-                <a:alpha val="100000"/>
-              </a:srgbClr>
-            </a:solidFill>
-          </p:spPr>
-          <p:txBody>
-            <a:bodyPr/>
-            <a:lstStyle/>
-            <a:p/>
-          </p:txBody>
-        </p:sp>
-        <p:sp>
-          <p:nvSpPr>
-            <p:cNvPr id="33" name="rc33"/>
-            <p:cNvSpPr/>
-            <p:nvPr/>
-          </p:nvSpPr>
-          <p:spPr>
-            <a:xfrm>
-              <a:off x="2023549" y="5176892"/>
-              <a:ext cx="1738479" cy="396030"/>
-            </a:xfrm>
-            <a:prstGeom prst="rect">
-              <a:avLst/>
-            </a:prstGeom>
-            <a:solidFill>
-              <a:srgbClr val="595959">
-                <a:alpha val="100000"/>
-              </a:srgbClr>
-            </a:solidFill>
-          </p:spPr>
-          <p:txBody>
-            <a:bodyPr/>
-            <a:lstStyle/>
-            <a:p/>
-          </p:txBody>
-        </p:sp>
-        <p:sp>
-          <p:nvSpPr>
-            <p:cNvPr id="34" name="tx34"/>
-            <p:cNvSpPr/>
-            <p:nvPr/>
-          </p:nvSpPr>
-          <p:spPr>
-            <a:xfrm>
-              <a:off x="8269026" y="1810163"/>
-              <a:ext cx="406518" cy="67753"/>
-            </a:xfrm>
-            <a:prstGeom prst="rect">
-              <a:avLst/>
-            </a:prstGeom>
-            <a:noFill/>
-          </p:spPr>
-          <p:txBody>
-            <a:bodyPr lIns="0" rIns="0" tIns="0" bIns="0" anchorCtr="1" anchor="ctr" wrap="none"/>
-            <a:lstStyle/>
-            <a:p>
-              <a:pPr algn="l" marL="0" marR="0" indent="0">
-                <a:lnSpc>
-                  <a:spcPts val="853"/>
-                </a:lnSpc>
-                <a:spcBef>
-                  <a:spcPts val="0"/>
-                </a:spcBef>
-                <a:spcAft>
-                  <a:spcPts val="0"/>
-                </a:spcAft>
-              </a:pPr>
-              <a:r>
-                <a:rPr sz="853" b="1">
-                  <a:solidFill>
-                    <a:srgbClr val="FFFFFF">
-                      <a:alpha val="100000"/>
-                    </a:srgbClr>
-                  </a:solidFill>
-                  <a:latin typeface="Arial"/>
-                  <a:cs typeface="Arial"/>
-                </a:rPr>
-                <a:t>菌株特异性</a:t>
-              </a:r>
-            </a:p>
-          </p:txBody>
-        </p:sp>
-        <p:sp>
-          <p:nvSpPr>
-            <p:cNvPr id="35" name="tx35"/>
-            <p:cNvSpPr/>
-            <p:nvPr/>
-          </p:nvSpPr>
-          <p:spPr>
-            <a:xfrm>
-              <a:off x="6749693" y="2237705"/>
-              <a:ext cx="873221" cy="80245"/>
-            </a:xfrm>
-            <a:prstGeom prst="rect">
-              <a:avLst/>
-            </a:prstGeom>
-            <a:noFill/>
-          </p:spPr>
-          <p:txBody>
-            <a:bodyPr lIns="0" rIns="0" tIns="0" bIns="0" anchorCtr="1" anchor="ctr" wrap="none"/>
-            <a:lstStyle/>
-            <a:p>
-              <a:pPr algn="l" marL="0" marR="0" indent="0">
-                <a:lnSpc>
-                  <a:spcPts val="853"/>
-                </a:lnSpc>
-                <a:spcBef>
-                  <a:spcPts val="0"/>
-                </a:spcBef>
-                <a:spcAft>
-                  <a:spcPts val="0"/>
-                </a:spcAft>
-              </a:pPr>
-              <a:r>
-                <a:rPr sz="853" b="1">
-                  <a:solidFill>
-                    <a:srgbClr val="FFFFFF">
-                      <a:alpha val="100000"/>
-                    </a:srgbClr>
-                  </a:solidFill>
-                  <a:latin typeface="Arial"/>
-                  <a:cs typeface="Arial"/>
-                </a:rPr>
-                <a:t>随机对照试验（RCT）</a:t>
-              </a:r>
-            </a:p>
-          </p:txBody>
-        </p:sp>
-        <p:sp>
-          <p:nvSpPr>
-            <p:cNvPr id="36" name="tx36"/>
-            <p:cNvSpPr/>
-            <p:nvPr/>
-          </p:nvSpPr>
-          <p:spPr>
-            <a:xfrm>
-              <a:off x="6293454" y="2677739"/>
-              <a:ext cx="873221" cy="80245"/>
-            </a:xfrm>
-            <a:prstGeom prst="rect">
-              <a:avLst/>
-            </a:prstGeom>
-            <a:noFill/>
-          </p:spPr>
-          <p:txBody>
-            <a:bodyPr lIns="0" rIns="0" tIns="0" bIns="0" anchorCtr="1" anchor="ctr" wrap="none"/>
-            <a:lstStyle/>
-            <a:p>
-              <a:pPr algn="l" marL="0" marR="0" indent="0">
-                <a:lnSpc>
-                  <a:spcPts val="853"/>
-                </a:lnSpc>
-                <a:spcBef>
-                  <a:spcPts val="0"/>
-                </a:spcBef>
-                <a:spcAft>
-                  <a:spcPts val="0"/>
-                </a:spcAft>
-              </a:pPr>
-              <a:r>
-                <a:rPr sz="853" b="1">
-                  <a:solidFill>
-                    <a:srgbClr val="FFFFFF">
-                      <a:alpha val="100000"/>
-                    </a:srgbClr>
-                  </a:solidFill>
-                  <a:latin typeface="Arial"/>
-                  <a:cs typeface="Arial"/>
-                </a:rPr>
-                <a:t>菌落形成单位（CFU）</a:t>
-              </a:r>
-            </a:p>
-          </p:txBody>
-        </p:sp>
-        <p:sp>
-          <p:nvSpPr>
-            <p:cNvPr id="37" name="tx37"/>
-            <p:cNvSpPr/>
-            <p:nvPr/>
-          </p:nvSpPr>
-          <p:spPr>
-            <a:xfrm>
-              <a:off x="6216832" y="3130265"/>
-              <a:ext cx="162607" cy="67753"/>
-            </a:xfrm>
-            <a:prstGeom prst="rect">
-              <a:avLst/>
-            </a:prstGeom>
-            <a:noFill/>
-          </p:spPr>
-          <p:txBody>
-            <a:bodyPr lIns="0" rIns="0" tIns="0" bIns="0" anchorCtr="1" anchor="ctr" wrap="none"/>
-            <a:lstStyle/>
-            <a:p>
-              <a:pPr algn="l" marL="0" marR="0" indent="0">
-                <a:lnSpc>
-                  <a:spcPts val="853"/>
-                </a:lnSpc>
-                <a:spcBef>
-                  <a:spcPts val="0"/>
-                </a:spcBef>
-                <a:spcAft>
-                  <a:spcPts val="0"/>
-                </a:spcAft>
-              </a:pPr>
-              <a:r>
-                <a:rPr sz="853" b="1">
-                  <a:solidFill>
-                    <a:srgbClr val="FFFFFF">
-                      <a:alpha val="100000"/>
-                    </a:srgbClr>
-                  </a:solidFill>
-                  <a:latin typeface="Arial"/>
-                  <a:cs typeface="Arial"/>
-                </a:rPr>
-                <a:t>循证</a:t>
-              </a:r>
-            </a:p>
-          </p:txBody>
-        </p:sp>
-        <p:sp>
-          <p:nvSpPr>
-            <p:cNvPr id="38" name="tx38"/>
-            <p:cNvSpPr/>
-            <p:nvPr/>
-          </p:nvSpPr>
-          <p:spPr>
-            <a:xfrm>
-              <a:off x="5642170" y="3557807"/>
-              <a:ext cx="385398" cy="80245"/>
-            </a:xfrm>
-            <a:prstGeom prst="rect">
-              <a:avLst/>
-            </a:prstGeom>
-            <a:noFill/>
-          </p:spPr>
-          <p:txBody>
-            <a:bodyPr lIns="0" rIns="0" tIns="0" bIns="0" anchorCtr="1" anchor="ctr" wrap="none"/>
-            <a:lstStyle/>
-            <a:p>
-              <a:pPr algn="l" marL="0" marR="0" indent="0">
-                <a:lnSpc>
-                  <a:spcPts val="853"/>
-                </a:lnSpc>
-                <a:spcBef>
-                  <a:spcPts val="0"/>
-                </a:spcBef>
-                <a:spcAft>
-                  <a:spcPts val="0"/>
-                </a:spcAft>
-              </a:pPr>
-              <a:r>
-                <a:rPr sz="853" b="1">
-                  <a:solidFill>
-                    <a:srgbClr val="FFFFFF">
-                      <a:alpha val="100000"/>
-                    </a:srgbClr>
-                  </a:solidFill>
-                  <a:latin typeface="Arial"/>
-                  <a:cs typeface="Arial"/>
-                </a:rPr>
-                <a:t>出厂CFU</a:t>
-              </a:r>
-            </a:p>
-          </p:txBody>
-        </p:sp>
-        <p:sp>
-          <p:nvSpPr>
-            <p:cNvPr id="39" name="tx39"/>
-            <p:cNvSpPr/>
-            <p:nvPr/>
-          </p:nvSpPr>
-          <p:spPr>
-            <a:xfrm>
-              <a:off x="5416086" y="4010332"/>
-              <a:ext cx="325215" cy="67753"/>
-            </a:xfrm>
-            <a:prstGeom prst="rect">
-              <a:avLst/>
-            </a:prstGeom>
-            <a:noFill/>
-          </p:spPr>
-          <p:txBody>
-            <a:bodyPr lIns="0" rIns="0" tIns="0" bIns="0" anchorCtr="1" anchor="ctr" wrap="none"/>
-            <a:lstStyle/>
-            <a:p>
-              <a:pPr algn="l" marL="0" marR="0" indent="0">
-                <a:lnSpc>
-                  <a:spcPts val="853"/>
-                </a:lnSpc>
-                <a:spcBef>
-                  <a:spcPts val="0"/>
-                </a:spcBef>
-                <a:spcAft>
-                  <a:spcPts val="0"/>
-                </a:spcAft>
-              </a:pPr>
-              <a:r>
-                <a:rPr sz="853" b="1">
-                  <a:solidFill>
-                    <a:srgbClr val="FFFFFF">
-                      <a:alpha val="100000"/>
-                    </a:srgbClr>
-                  </a:solidFill>
-                  <a:latin typeface="Arial"/>
-                  <a:cs typeface="Arial"/>
-                </a:rPr>
-                <a:t>菌株编号</a:t>
-              </a:r>
-            </a:p>
-          </p:txBody>
-        </p:sp>
-        <p:sp>
-          <p:nvSpPr>
-            <p:cNvPr id="40" name="tx40"/>
-            <p:cNvSpPr/>
-            <p:nvPr/>
-          </p:nvSpPr>
-          <p:spPr>
-            <a:xfrm>
-              <a:off x="4922754" y="4453394"/>
-              <a:ext cx="466702" cy="80245"/>
-            </a:xfrm>
-            <a:prstGeom prst="rect">
-              <a:avLst/>
-            </a:prstGeom>
-            <a:noFill/>
-          </p:spPr>
-          <p:txBody>
-            <a:bodyPr lIns="0" rIns="0" tIns="0" bIns="0" anchorCtr="1" anchor="ctr" wrap="none"/>
-            <a:lstStyle/>
-            <a:p>
-              <a:pPr algn="l" marL="0" marR="0" indent="0">
-                <a:lnSpc>
-                  <a:spcPts val="853"/>
-                </a:lnSpc>
-                <a:spcBef>
-                  <a:spcPts val="0"/>
-                </a:spcBef>
-                <a:spcAft>
-                  <a:spcPts val="0"/>
-                </a:spcAft>
-              </a:pPr>
-              <a:r>
-                <a:rPr sz="853">
-                  <a:solidFill>
-                    <a:srgbClr val="000000">
-                      <a:alpha val="100000"/>
-                    </a:srgbClr>
-                  </a:solidFill>
-                  <a:latin typeface="Arial"/>
-                  <a:cs typeface="Arial"/>
-                </a:rPr>
-                <a:t>货架期CFU</a:t>
-              </a:r>
-            </a:p>
-          </p:txBody>
-        </p:sp>
-        <p:sp>
-          <p:nvSpPr>
-            <p:cNvPr id="41" name="tx41"/>
-            <p:cNvSpPr/>
-            <p:nvPr/>
-          </p:nvSpPr>
-          <p:spPr>
-            <a:xfrm>
-              <a:off x="3929763" y="4905920"/>
-              <a:ext cx="569126" cy="67753"/>
-            </a:xfrm>
-            <a:prstGeom prst="rect">
-              <a:avLst/>
-            </a:prstGeom>
-            <a:noFill/>
-          </p:spPr>
-          <p:txBody>
-            <a:bodyPr lIns="0" rIns="0" tIns="0" bIns="0" anchorCtr="1" anchor="ctr" wrap="none"/>
-            <a:lstStyle/>
-            <a:p>
-              <a:pPr algn="l" marL="0" marR="0" indent="0">
-                <a:lnSpc>
-                  <a:spcPts val="853"/>
-                </a:lnSpc>
-                <a:spcBef>
-                  <a:spcPts val="0"/>
-                </a:spcBef>
-                <a:spcAft>
-                  <a:spcPts val="0"/>
-                </a:spcAft>
-              </a:pPr>
-              <a:r>
-                <a:rPr sz="853">
-                  <a:solidFill>
-                    <a:srgbClr val="000000">
-                      <a:alpha val="100000"/>
-                    </a:srgbClr>
-                  </a:solidFill>
-                  <a:latin typeface="Arial"/>
-                  <a:cs typeface="Arial"/>
-                </a:rPr>
-                <a:t>以上有没有听过</a:t>
-              </a:r>
-            </a:p>
-          </p:txBody>
-        </p:sp>
-        <p:sp>
-          <p:nvSpPr>
-            <p:cNvPr id="42" name="tx42"/>
-            <p:cNvSpPr/>
-            <p:nvPr/>
-          </p:nvSpPr>
-          <p:spPr>
-            <a:xfrm>
-              <a:off x="3888016" y="5345953"/>
-              <a:ext cx="325215" cy="67753"/>
-            </a:xfrm>
-            <a:prstGeom prst="rect">
-              <a:avLst/>
-            </a:prstGeom>
-            <a:noFill/>
-          </p:spPr>
-          <p:txBody>
-            <a:bodyPr lIns="0" rIns="0" tIns="0" bIns="0" anchorCtr="1" anchor="ctr" wrap="none"/>
-            <a:lstStyle/>
-            <a:p>
-              <a:pPr algn="l" marL="0" marR="0" indent="0">
-                <a:lnSpc>
-                  <a:spcPts val="853"/>
-                </a:lnSpc>
-                <a:spcBef>
-                  <a:spcPts val="0"/>
-                </a:spcBef>
-                <a:spcAft>
-                  <a:spcPts val="0"/>
-                </a:spcAft>
-              </a:pPr>
-              <a:r>
-                <a:rPr sz="853">
-                  <a:solidFill>
-                    <a:srgbClr val="000000">
-                      <a:alpha val="100000"/>
-                    </a:srgbClr>
-                  </a:solidFill>
-                  <a:latin typeface="Arial"/>
-                  <a:cs typeface="Arial"/>
-                </a:rPr>
-                <a:t>冷链物流</a:t>
-              </a:r>
-            </a:p>
-          </p:txBody>
-        </p:sp>
-        <p:sp>
-          <p:nvSpPr>
-            <p:cNvPr id="43" name="rc43"/>
-            <p:cNvSpPr/>
-            <p:nvPr/>
-          </p:nvSpPr>
-          <p:spPr>
-            <a:xfrm>
-              <a:off x="2023549" y="1590617"/>
-              <a:ext cx="6913543" cy="4048310"/>
-            </a:xfrm>
-            <a:prstGeom prst="rect">
-              <a:avLst/>
-            </a:prstGeom>
-            <a:ln w="13550" cap="rnd">
+            <p:cNvPr id="34" name="pl34"/>
+            <p:cNvSpPr/>
+            <p:nvPr/>
+          </p:nvSpPr>
+          <p:spPr>
+            <a:xfrm>
+              <a:off x="4480856" y="4907120"/>
+              <a:ext cx="2193323" cy="0"/>
+            </a:xfrm>
+            <a:custGeom>
+              <a:avLst/>
+              <a:pathLst>
+                <a:path w="2193323" h="0">
+                  <a:moveTo>
+                    <a:pt x="0" y="0"/>
+                  </a:moveTo>
+                  <a:lnTo>
+                    <a:pt x="2193323" y="0"/>
+                  </a:lnTo>
+                  <a:lnTo>
+                    <a:pt x="2193323" y="0"/>
+                  </a:lnTo>
+                </a:path>
+              </a:pathLst>
+            </a:custGeom>
+            <a:ln w="13550" cap="flat">
               <a:solidFill>
-                <a:srgbClr val="B3B3B3">
+                <a:srgbClr val="EBEBEB">
                   <a:alpha val="100000"/>
                 </a:srgbClr>
               </a:solidFill>
@@ -4707,14 +4293,1669 @@
         </p:sp>
         <p:sp>
           <p:nvSpPr>
-            <p:cNvPr id="44" name="tx44"/>
-            <p:cNvSpPr/>
-            <p:nvPr/>
-          </p:nvSpPr>
-          <p:spPr>
-            <a:xfrm>
-              <a:off x="1926599" y="5333161"/>
-              <a:ext cx="62155" cy="81746"/>
+            <p:cNvPr id="35" name="pl35"/>
+            <p:cNvSpPr/>
+            <p:nvPr/>
+          </p:nvSpPr>
+          <p:spPr>
+            <a:xfrm>
+              <a:off x="4480856" y="3986419"/>
+              <a:ext cx="2193323" cy="0"/>
+            </a:xfrm>
+            <a:custGeom>
+              <a:avLst/>
+              <a:pathLst>
+                <a:path w="2193323" h="0">
+                  <a:moveTo>
+                    <a:pt x="0" y="0"/>
+                  </a:moveTo>
+                  <a:lnTo>
+                    <a:pt x="2193323" y="0"/>
+                  </a:lnTo>
+                  <a:lnTo>
+                    <a:pt x="2193323" y="0"/>
+                  </a:lnTo>
+                </a:path>
+              </a:pathLst>
+            </a:custGeom>
+            <a:ln w="13550" cap="flat">
+              <a:solidFill>
+                <a:srgbClr val="EBEBEB">
+                  <a:alpha val="100000"/>
+                </a:srgbClr>
+              </a:solidFill>
+              <a:prstDash val="solid"/>
+              <a:round/>
+            </a:ln>
+          </p:spPr>
+          <p:txBody>
+            <a:bodyPr/>
+            <a:lstStyle/>
+            <a:p/>
+          </p:txBody>
+        </p:sp>
+        <p:sp>
+          <p:nvSpPr>
+            <p:cNvPr id="36" name="pl36"/>
+            <p:cNvSpPr/>
+            <p:nvPr/>
+          </p:nvSpPr>
+          <p:spPr>
+            <a:xfrm>
+              <a:off x="4480856" y="3065719"/>
+              <a:ext cx="2193323" cy="0"/>
+            </a:xfrm>
+            <a:custGeom>
+              <a:avLst/>
+              <a:pathLst>
+                <a:path w="2193323" h="0">
+                  <a:moveTo>
+                    <a:pt x="0" y="0"/>
+                  </a:moveTo>
+                  <a:lnTo>
+                    <a:pt x="2193323" y="0"/>
+                  </a:lnTo>
+                  <a:lnTo>
+                    <a:pt x="2193323" y="0"/>
+                  </a:lnTo>
+                </a:path>
+              </a:pathLst>
+            </a:custGeom>
+            <a:ln w="13550" cap="flat">
+              <a:solidFill>
+                <a:srgbClr val="EBEBEB">
+                  <a:alpha val="100000"/>
+                </a:srgbClr>
+              </a:solidFill>
+              <a:prstDash val="solid"/>
+              <a:round/>
+            </a:ln>
+          </p:spPr>
+          <p:txBody>
+            <a:bodyPr/>
+            <a:lstStyle/>
+            <a:p/>
+          </p:txBody>
+        </p:sp>
+        <p:sp>
+          <p:nvSpPr>
+            <p:cNvPr id="37" name="pl37"/>
+            <p:cNvSpPr/>
+            <p:nvPr/>
+          </p:nvSpPr>
+          <p:spPr>
+            <a:xfrm>
+              <a:off x="4480856" y="2145019"/>
+              <a:ext cx="2193323" cy="0"/>
+            </a:xfrm>
+            <a:custGeom>
+              <a:avLst/>
+              <a:pathLst>
+                <a:path w="2193323" h="0">
+                  <a:moveTo>
+                    <a:pt x="0" y="0"/>
+                  </a:moveTo>
+                  <a:lnTo>
+                    <a:pt x="2193323" y="0"/>
+                  </a:lnTo>
+                  <a:lnTo>
+                    <a:pt x="2193323" y="0"/>
+                  </a:lnTo>
+                </a:path>
+              </a:pathLst>
+            </a:custGeom>
+            <a:ln w="13550" cap="flat">
+              <a:solidFill>
+                <a:srgbClr val="EBEBEB">
+                  <a:alpha val="100000"/>
+                </a:srgbClr>
+              </a:solidFill>
+              <a:prstDash val="solid"/>
+              <a:round/>
+            </a:ln>
+          </p:spPr>
+          <p:txBody>
+            <a:bodyPr/>
+            <a:lstStyle/>
+            <a:p/>
+          </p:txBody>
+        </p:sp>
+        <p:sp>
+          <p:nvSpPr>
+            <p:cNvPr id="38" name="pl38"/>
+            <p:cNvSpPr/>
+            <p:nvPr/>
+          </p:nvSpPr>
+          <p:spPr>
+            <a:xfrm>
+              <a:off x="4641343" y="1809173"/>
+              <a:ext cx="0" cy="3245468"/>
+            </a:xfrm>
+            <a:custGeom>
+              <a:avLst/>
+              <a:pathLst>
+                <a:path w="0" h="3245468">
+                  <a:moveTo>
+                    <a:pt x="0" y="3245468"/>
+                  </a:moveTo>
+                  <a:lnTo>
+                    <a:pt x="0" y="0"/>
+                  </a:lnTo>
+                  <a:lnTo>
+                    <a:pt x="0" y="0"/>
+                  </a:lnTo>
+                </a:path>
+              </a:pathLst>
+            </a:custGeom>
+            <a:ln w="13550" cap="flat">
+              <a:solidFill>
+                <a:srgbClr val="EBEBEB">
+                  <a:alpha val="100000"/>
+                </a:srgbClr>
+              </a:solidFill>
+              <a:prstDash val="solid"/>
+              <a:round/>
+            </a:ln>
+          </p:spPr>
+          <p:txBody>
+            <a:bodyPr/>
+            <a:lstStyle/>
+            <a:p/>
+          </p:txBody>
+        </p:sp>
+        <p:sp>
+          <p:nvSpPr>
+            <p:cNvPr id="39" name="pl39"/>
+            <p:cNvSpPr/>
+            <p:nvPr/>
+          </p:nvSpPr>
+          <p:spPr>
+            <a:xfrm>
+              <a:off x="4908821" y="1809173"/>
+              <a:ext cx="0" cy="3245468"/>
+            </a:xfrm>
+            <a:custGeom>
+              <a:avLst/>
+              <a:pathLst>
+                <a:path w="0" h="3245468">
+                  <a:moveTo>
+                    <a:pt x="0" y="3245468"/>
+                  </a:moveTo>
+                  <a:lnTo>
+                    <a:pt x="0" y="0"/>
+                  </a:lnTo>
+                  <a:lnTo>
+                    <a:pt x="0" y="0"/>
+                  </a:lnTo>
+                </a:path>
+              </a:pathLst>
+            </a:custGeom>
+            <a:ln w="13550" cap="flat">
+              <a:solidFill>
+                <a:srgbClr val="EBEBEB">
+                  <a:alpha val="100000"/>
+                </a:srgbClr>
+              </a:solidFill>
+              <a:prstDash val="solid"/>
+              <a:round/>
+            </a:ln>
+          </p:spPr>
+          <p:txBody>
+            <a:bodyPr/>
+            <a:lstStyle/>
+            <a:p/>
+          </p:txBody>
+        </p:sp>
+        <p:sp>
+          <p:nvSpPr>
+            <p:cNvPr id="40" name="pl40"/>
+            <p:cNvSpPr/>
+            <p:nvPr/>
+          </p:nvSpPr>
+          <p:spPr>
+            <a:xfrm>
+              <a:off x="5176300" y="1809173"/>
+              <a:ext cx="0" cy="3245468"/>
+            </a:xfrm>
+            <a:custGeom>
+              <a:avLst/>
+              <a:pathLst>
+                <a:path w="0" h="3245468">
+                  <a:moveTo>
+                    <a:pt x="0" y="3245468"/>
+                  </a:moveTo>
+                  <a:lnTo>
+                    <a:pt x="0" y="0"/>
+                  </a:lnTo>
+                  <a:lnTo>
+                    <a:pt x="0" y="0"/>
+                  </a:lnTo>
+                </a:path>
+              </a:pathLst>
+            </a:custGeom>
+            <a:ln w="13550" cap="flat">
+              <a:solidFill>
+                <a:srgbClr val="EBEBEB">
+                  <a:alpha val="100000"/>
+                </a:srgbClr>
+              </a:solidFill>
+              <a:prstDash val="solid"/>
+              <a:round/>
+            </a:ln>
+          </p:spPr>
+          <p:txBody>
+            <a:bodyPr/>
+            <a:lstStyle/>
+            <a:p/>
+          </p:txBody>
+        </p:sp>
+        <p:sp>
+          <p:nvSpPr>
+            <p:cNvPr id="41" name="pl41"/>
+            <p:cNvSpPr/>
+            <p:nvPr/>
+          </p:nvSpPr>
+          <p:spPr>
+            <a:xfrm>
+              <a:off x="5443778" y="1809173"/>
+              <a:ext cx="0" cy="3245468"/>
+            </a:xfrm>
+            <a:custGeom>
+              <a:avLst/>
+              <a:pathLst>
+                <a:path w="0" h="3245468">
+                  <a:moveTo>
+                    <a:pt x="0" y="3245468"/>
+                  </a:moveTo>
+                  <a:lnTo>
+                    <a:pt x="0" y="0"/>
+                  </a:lnTo>
+                  <a:lnTo>
+                    <a:pt x="0" y="0"/>
+                  </a:lnTo>
+                </a:path>
+              </a:pathLst>
+            </a:custGeom>
+            <a:ln w="13550" cap="flat">
+              <a:solidFill>
+                <a:srgbClr val="EBEBEB">
+                  <a:alpha val="100000"/>
+                </a:srgbClr>
+              </a:solidFill>
+              <a:prstDash val="solid"/>
+              <a:round/>
+            </a:ln>
+          </p:spPr>
+          <p:txBody>
+            <a:bodyPr/>
+            <a:lstStyle/>
+            <a:p/>
+          </p:txBody>
+        </p:sp>
+        <p:sp>
+          <p:nvSpPr>
+            <p:cNvPr id="42" name="pl42"/>
+            <p:cNvSpPr/>
+            <p:nvPr/>
+          </p:nvSpPr>
+          <p:spPr>
+            <a:xfrm>
+              <a:off x="5711257" y="1809173"/>
+              <a:ext cx="0" cy="3245468"/>
+            </a:xfrm>
+            <a:custGeom>
+              <a:avLst/>
+              <a:pathLst>
+                <a:path w="0" h="3245468">
+                  <a:moveTo>
+                    <a:pt x="0" y="3245468"/>
+                  </a:moveTo>
+                  <a:lnTo>
+                    <a:pt x="0" y="0"/>
+                  </a:lnTo>
+                  <a:lnTo>
+                    <a:pt x="0" y="0"/>
+                  </a:lnTo>
+                </a:path>
+              </a:pathLst>
+            </a:custGeom>
+            <a:ln w="13550" cap="flat">
+              <a:solidFill>
+                <a:srgbClr val="EBEBEB">
+                  <a:alpha val="100000"/>
+                </a:srgbClr>
+              </a:solidFill>
+              <a:prstDash val="solid"/>
+              <a:round/>
+            </a:ln>
+          </p:spPr>
+          <p:txBody>
+            <a:bodyPr/>
+            <a:lstStyle/>
+            <a:p/>
+          </p:txBody>
+        </p:sp>
+        <p:sp>
+          <p:nvSpPr>
+            <p:cNvPr id="43" name="pl43"/>
+            <p:cNvSpPr/>
+            <p:nvPr/>
+          </p:nvSpPr>
+          <p:spPr>
+            <a:xfrm>
+              <a:off x="5978735" y="1809173"/>
+              <a:ext cx="0" cy="3245468"/>
+            </a:xfrm>
+            <a:custGeom>
+              <a:avLst/>
+              <a:pathLst>
+                <a:path w="0" h="3245468">
+                  <a:moveTo>
+                    <a:pt x="0" y="3245468"/>
+                  </a:moveTo>
+                  <a:lnTo>
+                    <a:pt x="0" y="0"/>
+                  </a:lnTo>
+                  <a:lnTo>
+                    <a:pt x="0" y="0"/>
+                  </a:lnTo>
+                </a:path>
+              </a:pathLst>
+            </a:custGeom>
+            <a:ln w="13550" cap="flat">
+              <a:solidFill>
+                <a:srgbClr val="EBEBEB">
+                  <a:alpha val="100000"/>
+                </a:srgbClr>
+              </a:solidFill>
+              <a:prstDash val="solid"/>
+              <a:round/>
+            </a:ln>
+          </p:spPr>
+          <p:txBody>
+            <a:bodyPr/>
+            <a:lstStyle/>
+            <a:p/>
+          </p:txBody>
+        </p:sp>
+        <p:sp>
+          <p:nvSpPr>
+            <p:cNvPr id="44" name="pl44"/>
+            <p:cNvSpPr/>
+            <p:nvPr/>
+          </p:nvSpPr>
+          <p:spPr>
+            <a:xfrm>
+              <a:off x="6246214" y="1809173"/>
+              <a:ext cx="0" cy="3245468"/>
+            </a:xfrm>
+            <a:custGeom>
+              <a:avLst/>
+              <a:pathLst>
+                <a:path w="0" h="3245468">
+                  <a:moveTo>
+                    <a:pt x="0" y="3245468"/>
+                  </a:moveTo>
+                  <a:lnTo>
+                    <a:pt x="0" y="0"/>
+                  </a:lnTo>
+                  <a:lnTo>
+                    <a:pt x="0" y="0"/>
+                  </a:lnTo>
+                </a:path>
+              </a:pathLst>
+            </a:custGeom>
+            <a:ln w="13550" cap="flat">
+              <a:solidFill>
+                <a:srgbClr val="EBEBEB">
+                  <a:alpha val="100000"/>
+                </a:srgbClr>
+              </a:solidFill>
+              <a:prstDash val="solid"/>
+              <a:round/>
+            </a:ln>
+          </p:spPr>
+          <p:txBody>
+            <a:bodyPr/>
+            <a:lstStyle/>
+            <a:p/>
+          </p:txBody>
+        </p:sp>
+        <p:sp>
+          <p:nvSpPr>
+            <p:cNvPr id="45" name="pl45"/>
+            <p:cNvSpPr/>
+            <p:nvPr/>
+          </p:nvSpPr>
+          <p:spPr>
+            <a:xfrm>
+              <a:off x="6513692" y="1809173"/>
+              <a:ext cx="0" cy="3245468"/>
+            </a:xfrm>
+            <a:custGeom>
+              <a:avLst/>
+              <a:pathLst>
+                <a:path w="0" h="3245468">
+                  <a:moveTo>
+                    <a:pt x="0" y="3245468"/>
+                  </a:moveTo>
+                  <a:lnTo>
+                    <a:pt x="0" y="0"/>
+                  </a:lnTo>
+                  <a:lnTo>
+                    <a:pt x="0" y="0"/>
+                  </a:lnTo>
+                </a:path>
+              </a:pathLst>
+            </a:custGeom>
+            <a:ln w="13550" cap="flat">
+              <a:solidFill>
+                <a:srgbClr val="EBEBEB">
+                  <a:alpha val="100000"/>
+                </a:srgbClr>
+              </a:solidFill>
+              <a:prstDash val="solid"/>
+              <a:round/>
+            </a:ln>
+          </p:spPr>
+          <p:txBody>
+            <a:bodyPr/>
+            <a:lstStyle/>
+            <a:p/>
+          </p:txBody>
+        </p:sp>
+        <p:sp>
+          <p:nvSpPr>
+            <p:cNvPr id="46" name="rc46"/>
+            <p:cNvSpPr/>
+            <p:nvPr/>
+          </p:nvSpPr>
+          <p:spPr>
+            <a:xfrm>
+              <a:off x="4520978" y="2596482"/>
+              <a:ext cx="240730" cy="2310637"/>
+            </a:xfrm>
+            <a:prstGeom prst="rect">
+              <a:avLst/>
+            </a:prstGeom>
+            <a:solidFill>
+              <a:srgbClr val="FFF5F0">
+                <a:alpha val="100000"/>
+              </a:srgbClr>
+            </a:solidFill>
+          </p:spPr>
+          <p:txBody>
+            <a:bodyPr/>
+            <a:lstStyle/>
+            <a:p/>
+          </p:txBody>
+        </p:sp>
+        <p:sp>
+          <p:nvSpPr>
+            <p:cNvPr id="47" name="rc47"/>
+            <p:cNvSpPr/>
+            <p:nvPr/>
+          </p:nvSpPr>
+          <p:spPr>
+            <a:xfrm>
+              <a:off x="4788456" y="4764927"/>
+              <a:ext cx="240730" cy="142193"/>
+            </a:xfrm>
+            <a:prstGeom prst="rect">
+              <a:avLst/>
+            </a:prstGeom>
+            <a:solidFill>
+              <a:srgbClr val="FEE0D2">
+                <a:alpha val="100000"/>
+              </a:srgbClr>
+            </a:solidFill>
+          </p:spPr>
+          <p:txBody>
+            <a:bodyPr/>
+            <a:lstStyle/>
+            <a:p/>
+          </p:txBody>
+        </p:sp>
+        <p:sp>
+          <p:nvSpPr>
+            <p:cNvPr id="48" name="rc48"/>
+            <p:cNvSpPr/>
+            <p:nvPr/>
+          </p:nvSpPr>
+          <p:spPr>
+            <a:xfrm>
+              <a:off x="5055934" y="2667579"/>
+              <a:ext cx="240730" cy="2239541"/>
+            </a:xfrm>
+            <a:prstGeom prst="rect">
+              <a:avLst/>
+            </a:prstGeom>
+            <a:solidFill>
+              <a:srgbClr val="FCBBA1">
+                <a:alpha val="100000"/>
+              </a:srgbClr>
+            </a:solidFill>
+          </p:spPr>
+          <p:txBody>
+            <a:bodyPr/>
+            <a:lstStyle/>
+            <a:p/>
+          </p:txBody>
+        </p:sp>
+        <p:sp>
+          <p:nvSpPr>
+            <p:cNvPr id="49" name="rc49"/>
+            <p:cNvSpPr/>
+            <p:nvPr/>
+          </p:nvSpPr>
+          <p:spPr>
+            <a:xfrm>
+              <a:off x="5323413" y="4160606"/>
+              <a:ext cx="240730" cy="746513"/>
+            </a:xfrm>
+            <a:prstGeom prst="rect">
+              <a:avLst/>
+            </a:prstGeom>
+            <a:solidFill>
+              <a:srgbClr val="FC9272">
+                <a:alpha val="100000"/>
+              </a:srgbClr>
+            </a:solidFill>
+          </p:spPr>
+          <p:txBody>
+            <a:bodyPr/>
+            <a:lstStyle/>
+            <a:p/>
+          </p:txBody>
+        </p:sp>
+        <p:sp>
+          <p:nvSpPr>
+            <p:cNvPr id="50" name="rc50"/>
+            <p:cNvSpPr/>
+            <p:nvPr/>
+          </p:nvSpPr>
+          <p:spPr>
+            <a:xfrm>
+              <a:off x="5590891" y="4693830"/>
+              <a:ext cx="240730" cy="213289"/>
+            </a:xfrm>
+            <a:prstGeom prst="rect">
+              <a:avLst/>
+            </a:prstGeom>
+            <a:solidFill>
+              <a:srgbClr val="FB6A4A">
+                <a:alpha val="100000"/>
+              </a:srgbClr>
+            </a:solidFill>
+          </p:spPr>
+          <p:txBody>
+            <a:bodyPr/>
+            <a:lstStyle/>
+            <a:p/>
+          </p:txBody>
+        </p:sp>
+        <p:sp>
+          <p:nvSpPr>
+            <p:cNvPr id="51" name="rc51"/>
+            <p:cNvSpPr/>
+            <p:nvPr/>
+          </p:nvSpPr>
+          <p:spPr>
+            <a:xfrm>
+              <a:off x="5858370" y="3271899"/>
+              <a:ext cx="240730" cy="1635220"/>
+            </a:xfrm>
+            <a:prstGeom prst="rect">
+              <a:avLst/>
+            </a:prstGeom>
+            <a:solidFill>
+              <a:srgbClr val="EF3B2C">
+                <a:alpha val="100000"/>
+              </a:srgbClr>
+            </a:solidFill>
+          </p:spPr>
+          <p:txBody>
+            <a:bodyPr/>
+            <a:lstStyle/>
+            <a:p/>
+          </p:txBody>
+        </p:sp>
+        <p:sp>
+          <p:nvSpPr>
+            <p:cNvPr id="52" name="rc52"/>
+            <p:cNvSpPr/>
+            <p:nvPr/>
+          </p:nvSpPr>
+          <p:spPr>
+            <a:xfrm>
+              <a:off x="6125848" y="4551637"/>
+              <a:ext cx="240730" cy="355482"/>
+            </a:xfrm>
+            <a:prstGeom prst="rect">
+              <a:avLst/>
+            </a:prstGeom>
+            <a:solidFill>
+              <a:srgbClr val="CB181D">
+                <a:alpha val="100000"/>
+              </a:srgbClr>
+            </a:solidFill>
+          </p:spPr>
+          <p:txBody>
+            <a:bodyPr/>
+            <a:lstStyle/>
+            <a:p/>
+          </p:txBody>
+        </p:sp>
+        <p:sp>
+          <p:nvSpPr>
+            <p:cNvPr id="53" name="rc53"/>
+            <p:cNvSpPr/>
+            <p:nvPr/>
+          </p:nvSpPr>
+          <p:spPr>
+            <a:xfrm>
+              <a:off x="6393327" y="3342996"/>
+              <a:ext cx="240730" cy="1564123"/>
+            </a:xfrm>
+            <a:prstGeom prst="rect">
+              <a:avLst/>
+            </a:prstGeom>
+            <a:solidFill>
+              <a:srgbClr val="99000D">
+                <a:alpha val="100000"/>
+              </a:srgbClr>
+            </a:solidFill>
+          </p:spPr>
+          <p:txBody>
+            <a:bodyPr/>
+            <a:lstStyle/>
+            <a:p/>
+          </p:txBody>
+        </p:sp>
+        <p:sp>
+          <p:nvSpPr>
+            <p:cNvPr id="54" name="rc54"/>
+            <p:cNvSpPr/>
+            <p:nvPr/>
+          </p:nvSpPr>
+          <p:spPr>
+            <a:xfrm>
+              <a:off x="4480856" y="1809173"/>
+              <a:ext cx="2193323" cy="3245468"/>
+            </a:xfrm>
+            <a:prstGeom prst="rect">
+              <a:avLst/>
+            </a:prstGeom>
+            <a:ln w="13550" cap="rnd">
+              <a:solidFill>
+                <a:srgbClr val="333333">
+                  <a:alpha val="100000"/>
+                </a:srgbClr>
+              </a:solidFill>
+              <a:prstDash val="solid"/>
+              <a:round/>
+            </a:ln>
+          </p:spPr>
+          <p:txBody>
+            <a:bodyPr/>
+            <a:lstStyle/>
+            <a:p/>
+          </p:txBody>
+        </p:sp>
+        <p:sp>
+          <p:nvSpPr>
+            <p:cNvPr id="55" name="rc55"/>
+            <p:cNvSpPr/>
+            <p:nvPr/>
+          </p:nvSpPr>
+          <p:spPr>
+            <a:xfrm>
+              <a:off x="6743768" y="1809173"/>
+              <a:ext cx="2193323" cy="3245468"/>
+            </a:xfrm>
+            <a:prstGeom prst="rect">
+              <a:avLst/>
+            </a:prstGeom>
+            <a:solidFill>
+              <a:srgbClr val="FFFFFF">
+                <a:alpha val="100000"/>
+              </a:srgbClr>
+            </a:solidFill>
+          </p:spPr>
+          <p:txBody>
+            <a:bodyPr/>
+            <a:lstStyle/>
+            <a:p/>
+          </p:txBody>
+        </p:sp>
+        <p:sp>
+          <p:nvSpPr>
+            <p:cNvPr id="56" name="pl56"/>
+            <p:cNvSpPr/>
+            <p:nvPr/>
+          </p:nvSpPr>
+          <p:spPr>
+            <a:xfrm>
+              <a:off x="6743768" y="4446770"/>
+              <a:ext cx="2193323" cy="0"/>
+            </a:xfrm>
+            <a:custGeom>
+              <a:avLst/>
+              <a:pathLst>
+                <a:path w="2193323" h="0">
+                  <a:moveTo>
+                    <a:pt x="0" y="0"/>
+                  </a:moveTo>
+                  <a:lnTo>
+                    <a:pt x="2193323" y="0"/>
+                  </a:lnTo>
+                  <a:lnTo>
+                    <a:pt x="2193323" y="0"/>
+                  </a:lnTo>
+                </a:path>
+              </a:pathLst>
+            </a:custGeom>
+            <a:ln w="6775" cap="flat">
+              <a:solidFill>
+                <a:srgbClr val="EBEBEB">
+                  <a:alpha val="100000"/>
+                </a:srgbClr>
+              </a:solidFill>
+              <a:prstDash val="solid"/>
+              <a:round/>
+            </a:ln>
+          </p:spPr>
+          <p:txBody>
+            <a:bodyPr/>
+            <a:lstStyle/>
+            <a:p/>
+          </p:txBody>
+        </p:sp>
+        <p:sp>
+          <p:nvSpPr>
+            <p:cNvPr id="57" name="pl57"/>
+            <p:cNvSpPr/>
+            <p:nvPr/>
+          </p:nvSpPr>
+          <p:spPr>
+            <a:xfrm>
+              <a:off x="6743768" y="3526069"/>
+              <a:ext cx="2193323" cy="0"/>
+            </a:xfrm>
+            <a:custGeom>
+              <a:avLst/>
+              <a:pathLst>
+                <a:path w="2193323" h="0">
+                  <a:moveTo>
+                    <a:pt x="0" y="0"/>
+                  </a:moveTo>
+                  <a:lnTo>
+                    <a:pt x="2193323" y="0"/>
+                  </a:lnTo>
+                  <a:lnTo>
+                    <a:pt x="2193323" y="0"/>
+                  </a:lnTo>
+                </a:path>
+              </a:pathLst>
+            </a:custGeom>
+            <a:ln w="6775" cap="flat">
+              <a:solidFill>
+                <a:srgbClr val="EBEBEB">
+                  <a:alpha val="100000"/>
+                </a:srgbClr>
+              </a:solidFill>
+              <a:prstDash val="solid"/>
+              <a:round/>
+            </a:ln>
+          </p:spPr>
+          <p:txBody>
+            <a:bodyPr/>
+            <a:lstStyle/>
+            <a:p/>
+          </p:txBody>
+        </p:sp>
+        <p:sp>
+          <p:nvSpPr>
+            <p:cNvPr id="58" name="pl58"/>
+            <p:cNvSpPr/>
+            <p:nvPr/>
+          </p:nvSpPr>
+          <p:spPr>
+            <a:xfrm>
+              <a:off x="6743768" y="2605369"/>
+              <a:ext cx="2193323" cy="0"/>
+            </a:xfrm>
+            <a:custGeom>
+              <a:avLst/>
+              <a:pathLst>
+                <a:path w="2193323" h="0">
+                  <a:moveTo>
+                    <a:pt x="0" y="0"/>
+                  </a:moveTo>
+                  <a:lnTo>
+                    <a:pt x="2193323" y="0"/>
+                  </a:lnTo>
+                  <a:lnTo>
+                    <a:pt x="2193323" y="0"/>
+                  </a:lnTo>
+                </a:path>
+              </a:pathLst>
+            </a:custGeom>
+            <a:ln w="6775" cap="flat">
+              <a:solidFill>
+                <a:srgbClr val="EBEBEB">
+                  <a:alpha val="100000"/>
+                </a:srgbClr>
+              </a:solidFill>
+              <a:prstDash val="solid"/>
+              <a:round/>
+            </a:ln>
+          </p:spPr>
+          <p:txBody>
+            <a:bodyPr/>
+            <a:lstStyle/>
+            <a:p/>
+          </p:txBody>
+        </p:sp>
+        <p:sp>
+          <p:nvSpPr>
+            <p:cNvPr id="59" name="pl59"/>
+            <p:cNvSpPr/>
+            <p:nvPr/>
+          </p:nvSpPr>
+          <p:spPr>
+            <a:xfrm>
+              <a:off x="6743768" y="4907120"/>
+              <a:ext cx="2193323" cy="0"/>
+            </a:xfrm>
+            <a:custGeom>
+              <a:avLst/>
+              <a:pathLst>
+                <a:path w="2193323" h="0">
+                  <a:moveTo>
+                    <a:pt x="0" y="0"/>
+                  </a:moveTo>
+                  <a:lnTo>
+                    <a:pt x="2193323" y="0"/>
+                  </a:lnTo>
+                  <a:lnTo>
+                    <a:pt x="2193323" y="0"/>
+                  </a:lnTo>
+                </a:path>
+              </a:pathLst>
+            </a:custGeom>
+            <a:ln w="13550" cap="flat">
+              <a:solidFill>
+                <a:srgbClr val="EBEBEB">
+                  <a:alpha val="100000"/>
+                </a:srgbClr>
+              </a:solidFill>
+              <a:prstDash val="solid"/>
+              <a:round/>
+            </a:ln>
+          </p:spPr>
+          <p:txBody>
+            <a:bodyPr/>
+            <a:lstStyle/>
+            <a:p/>
+          </p:txBody>
+        </p:sp>
+        <p:sp>
+          <p:nvSpPr>
+            <p:cNvPr id="60" name="pl60"/>
+            <p:cNvSpPr/>
+            <p:nvPr/>
+          </p:nvSpPr>
+          <p:spPr>
+            <a:xfrm>
+              <a:off x="6743768" y="3986419"/>
+              <a:ext cx="2193323" cy="0"/>
+            </a:xfrm>
+            <a:custGeom>
+              <a:avLst/>
+              <a:pathLst>
+                <a:path w="2193323" h="0">
+                  <a:moveTo>
+                    <a:pt x="0" y="0"/>
+                  </a:moveTo>
+                  <a:lnTo>
+                    <a:pt x="2193323" y="0"/>
+                  </a:lnTo>
+                  <a:lnTo>
+                    <a:pt x="2193323" y="0"/>
+                  </a:lnTo>
+                </a:path>
+              </a:pathLst>
+            </a:custGeom>
+            <a:ln w="13550" cap="flat">
+              <a:solidFill>
+                <a:srgbClr val="EBEBEB">
+                  <a:alpha val="100000"/>
+                </a:srgbClr>
+              </a:solidFill>
+              <a:prstDash val="solid"/>
+              <a:round/>
+            </a:ln>
+          </p:spPr>
+          <p:txBody>
+            <a:bodyPr/>
+            <a:lstStyle/>
+            <a:p/>
+          </p:txBody>
+        </p:sp>
+        <p:sp>
+          <p:nvSpPr>
+            <p:cNvPr id="61" name="pl61"/>
+            <p:cNvSpPr/>
+            <p:nvPr/>
+          </p:nvSpPr>
+          <p:spPr>
+            <a:xfrm>
+              <a:off x="6743768" y="3065719"/>
+              <a:ext cx="2193323" cy="0"/>
+            </a:xfrm>
+            <a:custGeom>
+              <a:avLst/>
+              <a:pathLst>
+                <a:path w="2193323" h="0">
+                  <a:moveTo>
+                    <a:pt x="0" y="0"/>
+                  </a:moveTo>
+                  <a:lnTo>
+                    <a:pt x="2193323" y="0"/>
+                  </a:lnTo>
+                  <a:lnTo>
+                    <a:pt x="2193323" y="0"/>
+                  </a:lnTo>
+                </a:path>
+              </a:pathLst>
+            </a:custGeom>
+            <a:ln w="13550" cap="flat">
+              <a:solidFill>
+                <a:srgbClr val="EBEBEB">
+                  <a:alpha val="100000"/>
+                </a:srgbClr>
+              </a:solidFill>
+              <a:prstDash val="solid"/>
+              <a:round/>
+            </a:ln>
+          </p:spPr>
+          <p:txBody>
+            <a:bodyPr/>
+            <a:lstStyle/>
+            <a:p/>
+          </p:txBody>
+        </p:sp>
+        <p:sp>
+          <p:nvSpPr>
+            <p:cNvPr id="62" name="pl62"/>
+            <p:cNvSpPr/>
+            <p:nvPr/>
+          </p:nvSpPr>
+          <p:spPr>
+            <a:xfrm>
+              <a:off x="6743768" y="2145019"/>
+              <a:ext cx="2193323" cy="0"/>
+            </a:xfrm>
+            <a:custGeom>
+              <a:avLst/>
+              <a:pathLst>
+                <a:path w="2193323" h="0">
+                  <a:moveTo>
+                    <a:pt x="0" y="0"/>
+                  </a:moveTo>
+                  <a:lnTo>
+                    <a:pt x="2193323" y="0"/>
+                  </a:lnTo>
+                  <a:lnTo>
+                    <a:pt x="2193323" y="0"/>
+                  </a:lnTo>
+                </a:path>
+              </a:pathLst>
+            </a:custGeom>
+            <a:ln w="13550" cap="flat">
+              <a:solidFill>
+                <a:srgbClr val="EBEBEB">
+                  <a:alpha val="100000"/>
+                </a:srgbClr>
+              </a:solidFill>
+              <a:prstDash val="solid"/>
+              <a:round/>
+            </a:ln>
+          </p:spPr>
+          <p:txBody>
+            <a:bodyPr/>
+            <a:lstStyle/>
+            <a:p/>
+          </p:txBody>
+        </p:sp>
+        <p:sp>
+          <p:nvSpPr>
+            <p:cNvPr id="63" name="pl63"/>
+            <p:cNvSpPr/>
+            <p:nvPr/>
+          </p:nvSpPr>
+          <p:spPr>
+            <a:xfrm>
+              <a:off x="6904255" y="1809173"/>
+              <a:ext cx="0" cy="3245468"/>
+            </a:xfrm>
+            <a:custGeom>
+              <a:avLst/>
+              <a:pathLst>
+                <a:path w="0" h="3245468">
+                  <a:moveTo>
+                    <a:pt x="0" y="3245468"/>
+                  </a:moveTo>
+                  <a:lnTo>
+                    <a:pt x="0" y="0"/>
+                  </a:lnTo>
+                  <a:lnTo>
+                    <a:pt x="0" y="0"/>
+                  </a:lnTo>
+                </a:path>
+              </a:pathLst>
+            </a:custGeom>
+            <a:ln w="13550" cap="flat">
+              <a:solidFill>
+                <a:srgbClr val="EBEBEB">
+                  <a:alpha val="100000"/>
+                </a:srgbClr>
+              </a:solidFill>
+              <a:prstDash val="solid"/>
+              <a:round/>
+            </a:ln>
+          </p:spPr>
+          <p:txBody>
+            <a:bodyPr/>
+            <a:lstStyle/>
+            <a:p/>
+          </p:txBody>
+        </p:sp>
+        <p:sp>
+          <p:nvSpPr>
+            <p:cNvPr id="64" name="pl64"/>
+            <p:cNvSpPr/>
+            <p:nvPr/>
+          </p:nvSpPr>
+          <p:spPr>
+            <a:xfrm>
+              <a:off x="7171734" y="1809173"/>
+              <a:ext cx="0" cy="3245468"/>
+            </a:xfrm>
+            <a:custGeom>
+              <a:avLst/>
+              <a:pathLst>
+                <a:path w="0" h="3245468">
+                  <a:moveTo>
+                    <a:pt x="0" y="3245468"/>
+                  </a:moveTo>
+                  <a:lnTo>
+                    <a:pt x="0" y="0"/>
+                  </a:lnTo>
+                  <a:lnTo>
+                    <a:pt x="0" y="0"/>
+                  </a:lnTo>
+                </a:path>
+              </a:pathLst>
+            </a:custGeom>
+            <a:ln w="13550" cap="flat">
+              <a:solidFill>
+                <a:srgbClr val="EBEBEB">
+                  <a:alpha val="100000"/>
+                </a:srgbClr>
+              </a:solidFill>
+              <a:prstDash val="solid"/>
+              <a:round/>
+            </a:ln>
+          </p:spPr>
+          <p:txBody>
+            <a:bodyPr/>
+            <a:lstStyle/>
+            <a:p/>
+          </p:txBody>
+        </p:sp>
+        <p:sp>
+          <p:nvSpPr>
+            <p:cNvPr id="65" name="pl65"/>
+            <p:cNvSpPr/>
+            <p:nvPr/>
+          </p:nvSpPr>
+          <p:spPr>
+            <a:xfrm>
+              <a:off x="7439212" y="1809173"/>
+              <a:ext cx="0" cy="3245468"/>
+            </a:xfrm>
+            <a:custGeom>
+              <a:avLst/>
+              <a:pathLst>
+                <a:path w="0" h="3245468">
+                  <a:moveTo>
+                    <a:pt x="0" y="3245468"/>
+                  </a:moveTo>
+                  <a:lnTo>
+                    <a:pt x="0" y="0"/>
+                  </a:lnTo>
+                  <a:lnTo>
+                    <a:pt x="0" y="0"/>
+                  </a:lnTo>
+                </a:path>
+              </a:pathLst>
+            </a:custGeom>
+            <a:ln w="13550" cap="flat">
+              <a:solidFill>
+                <a:srgbClr val="EBEBEB">
+                  <a:alpha val="100000"/>
+                </a:srgbClr>
+              </a:solidFill>
+              <a:prstDash val="solid"/>
+              <a:round/>
+            </a:ln>
+          </p:spPr>
+          <p:txBody>
+            <a:bodyPr/>
+            <a:lstStyle/>
+            <a:p/>
+          </p:txBody>
+        </p:sp>
+        <p:sp>
+          <p:nvSpPr>
+            <p:cNvPr id="66" name="pl66"/>
+            <p:cNvSpPr/>
+            <p:nvPr/>
+          </p:nvSpPr>
+          <p:spPr>
+            <a:xfrm>
+              <a:off x="7706691" y="1809173"/>
+              <a:ext cx="0" cy="3245468"/>
+            </a:xfrm>
+            <a:custGeom>
+              <a:avLst/>
+              <a:pathLst>
+                <a:path w="0" h="3245468">
+                  <a:moveTo>
+                    <a:pt x="0" y="3245468"/>
+                  </a:moveTo>
+                  <a:lnTo>
+                    <a:pt x="0" y="0"/>
+                  </a:lnTo>
+                  <a:lnTo>
+                    <a:pt x="0" y="0"/>
+                  </a:lnTo>
+                </a:path>
+              </a:pathLst>
+            </a:custGeom>
+            <a:ln w="13550" cap="flat">
+              <a:solidFill>
+                <a:srgbClr val="EBEBEB">
+                  <a:alpha val="100000"/>
+                </a:srgbClr>
+              </a:solidFill>
+              <a:prstDash val="solid"/>
+              <a:round/>
+            </a:ln>
+          </p:spPr>
+          <p:txBody>
+            <a:bodyPr/>
+            <a:lstStyle/>
+            <a:p/>
+          </p:txBody>
+        </p:sp>
+        <p:sp>
+          <p:nvSpPr>
+            <p:cNvPr id="67" name="pl67"/>
+            <p:cNvSpPr/>
+            <p:nvPr/>
+          </p:nvSpPr>
+          <p:spPr>
+            <a:xfrm>
+              <a:off x="7974169" y="1809173"/>
+              <a:ext cx="0" cy="3245468"/>
+            </a:xfrm>
+            <a:custGeom>
+              <a:avLst/>
+              <a:pathLst>
+                <a:path w="0" h="3245468">
+                  <a:moveTo>
+                    <a:pt x="0" y="3245468"/>
+                  </a:moveTo>
+                  <a:lnTo>
+                    <a:pt x="0" y="0"/>
+                  </a:lnTo>
+                  <a:lnTo>
+                    <a:pt x="0" y="0"/>
+                  </a:lnTo>
+                </a:path>
+              </a:pathLst>
+            </a:custGeom>
+            <a:ln w="13550" cap="flat">
+              <a:solidFill>
+                <a:srgbClr val="EBEBEB">
+                  <a:alpha val="100000"/>
+                </a:srgbClr>
+              </a:solidFill>
+              <a:prstDash val="solid"/>
+              <a:round/>
+            </a:ln>
+          </p:spPr>
+          <p:txBody>
+            <a:bodyPr/>
+            <a:lstStyle/>
+            <a:p/>
+          </p:txBody>
+        </p:sp>
+        <p:sp>
+          <p:nvSpPr>
+            <p:cNvPr id="68" name="pl68"/>
+            <p:cNvSpPr/>
+            <p:nvPr/>
+          </p:nvSpPr>
+          <p:spPr>
+            <a:xfrm>
+              <a:off x="8241648" y="1809173"/>
+              <a:ext cx="0" cy="3245468"/>
+            </a:xfrm>
+            <a:custGeom>
+              <a:avLst/>
+              <a:pathLst>
+                <a:path w="0" h="3245468">
+                  <a:moveTo>
+                    <a:pt x="0" y="3245468"/>
+                  </a:moveTo>
+                  <a:lnTo>
+                    <a:pt x="0" y="0"/>
+                  </a:lnTo>
+                  <a:lnTo>
+                    <a:pt x="0" y="0"/>
+                  </a:lnTo>
+                </a:path>
+              </a:pathLst>
+            </a:custGeom>
+            <a:ln w="13550" cap="flat">
+              <a:solidFill>
+                <a:srgbClr val="EBEBEB">
+                  <a:alpha val="100000"/>
+                </a:srgbClr>
+              </a:solidFill>
+              <a:prstDash val="solid"/>
+              <a:round/>
+            </a:ln>
+          </p:spPr>
+          <p:txBody>
+            <a:bodyPr/>
+            <a:lstStyle/>
+            <a:p/>
+          </p:txBody>
+        </p:sp>
+        <p:sp>
+          <p:nvSpPr>
+            <p:cNvPr id="69" name="pl69"/>
+            <p:cNvSpPr/>
+            <p:nvPr/>
+          </p:nvSpPr>
+          <p:spPr>
+            <a:xfrm>
+              <a:off x="8509126" y="1809173"/>
+              <a:ext cx="0" cy="3245468"/>
+            </a:xfrm>
+            <a:custGeom>
+              <a:avLst/>
+              <a:pathLst>
+                <a:path w="0" h="3245468">
+                  <a:moveTo>
+                    <a:pt x="0" y="3245468"/>
+                  </a:moveTo>
+                  <a:lnTo>
+                    <a:pt x="0" y="0"/>
+                  </a:lnTo>
+                  <a:lnTo>
+                    <a:pt x="0" y="0"/>
+                  </a:lnTo>
+                </a:path>
+              </a:pathLst>
+            </a:custGeom>
+            <a:ln w="13550" cap="flat">
+              <a:solidFill>
+                <a:srgbClr val="EBEBEB">
+                  <a:alpha val="100000"/>
+                </a:srgbClr>
+              </a:solidFill>
+              <a:prstDash val="solid"/>
+              <a:round/>
+            </a:ln>
+          </p:spPr>
+          <p:txBody>
+            <a:bodyPr/>
+            <a:lstStyle/>
+            <a:p/>
+          </p:txBody>
+        </p:sp>
+        <p:sp>
+          <p:nvSpPr>
+            <p:cNvPr id="70" name="pl70"/>
+            <p:cNvSpPr/>
+            <p:nvPr/>
+          </p:nvSpPr>
+          <p:spPr>
+            <a:xfrm>
+              <a:off x="8776605" y="1809173"/>
+              <a:ext cx="0" cy="3245468"/>
+            </a:xfrm>
+            <a:custGeom>
+              <a:avLst/>
+              <a:pathLst>
+                <a:path w="0" h="3245468">
+                  <a:moveTo>
+                    <a:pt x="0" y="3245468"/>
+                  </a:moveTo>
+                  <a:lnTo>
+                    <a:pt x="0" y="0"/>
+                  </a:lnTo>
+                  <a:lnTo>
+                    <a:pt x="0" y="0"/>
+                  </a:lnTo>
+                </a:path>
+              </a:pathLst>
+            </a:custGeom>
+            <a:ln w="13550" cap="flat">
+              <a:solidFill>
+                <a:srgbClr val="EBEBEB">
+                  <a:alpha val="100000"/>
+                </a:srgbClr>
+              </a:solidFill>
+              <a:prstDash val="solid"/>
+              <a:round/>
+            </a:ln>
+          </p:spPr>
+          <p:txBody>
+            <a:bodyPr/>
+            <a:lstStyle/>
+            <a:p/>
+          </p:txBody>
+        </p:sp>
+        <p:sp>
+          <p:nvSpPr>
+            <p:cNvPr id="71" name="rc71"/>
+            <p:cNvSpPr/>
+            <p:nvPr/>
+          </p:nvSpPr>
+          <p:spPr>
+            <a:xfrm>
+              <a:off x="6783890" y="2900465"/>
+              <a:ext cx="240730" cy="2006654"/>
+            </a:xfrm>
+            <a:prstGeom prst="rect">
+              <a:avLst/>
+            </a:prstGeom>
+            <a:solidFill>
+              <a:srgbClr val="FFF5F0">
+                <a:alpha val="100000"/>
+              </a:srgbClr>
+            </a:solidFill>
+          </p:spPr>
+          <p:txBody>
+            <a:bodyPr/>
+            <a:lstStyle/>
+            <a:p/>
+          </p:txBody>
+        </p:sp>
+        <p:sp>
+          <p:nvSpPr>
+            <p:cNvPr id="72" name="rc72"/>
+            <p:cNvSpPr/>
+            <p:nvPr/>
+          </p:nvSpPr>
+          <p:spPr>
+            <a:xfrm>
+              <a:off x="7051369" y="4730062"/>
+              <a:ext cx="240730" cy="177057"/>
+            </a:xfrm>
+            <a:prstGeom prst="rect">
+              <a:avLst/>
+            </a:prstGeom>
+            <a:solidFill>
+              <a:srgbClr val="FEE0D2">
+                <a:alpha val="100000"/>
+              </a:srgbClr>
+            </a:solidFill>
+          </p:spPr>
+          <p:txBody>
+            <a:bodyPr/>
+            <a:lstStyle/>
+            <a:p/>
+          </p:txBody>
+        </p:sp>
+        <p:sp>
+          <p:nvSpPr>
+            <p:cNvPr id="73" name="rc73"/>
+            <p:cNvSpPr/>
+            <p:nvPr/>
+          </p:nvSpPr>
+          <p:spPr>
+            <a:xfrm>
+              <a:off x="7318847" y="3136542"/>
+              <a:ext cx="240730" cy="1770577"/>
+            </a:xfrm>
+            <a:prstGeom prst="rect">
+              <a:avLst/>
+            </a:prstGeom>
+            <a:solidFill>
+              <a:srgbClr val="FCBBA1">
+                <a:alpha val="100000"/>
+              </a:srgbClr>
+            </a:solidFill>
+          </p:spPr>
+          <p:txBody>
+            <a:bodyPr/>
+            <a:lstStyle/>
+            <a:p/>
+          </p:txBody>
+        </p:sp>
+        <p:sp>
+          <p:nvSpPr>
+            <p:cNvPr id="74" name="rc74"/>
+            <p:cNvSpPr/>
+            <p:nvPr/>
+          </p:nvSpPr>
+          <p:spPr>
+            <a:xfrm>
+              <a:off x="7586326" y="3667715"/>
+              <a:ext cx="240730" cy="1239404"/>
+            </a:xfrm>
+            <a:prstGeom prst="rect">
+              <a:avLst/>
+            </a:prstGeom>
+            <a:solidFill>
+              <a:srgbClr val="FC9272">
+                <a:alpha val="100000"/>
+              </a:srgbClr>
+            </a:solidFill>
+          </p:spPr>
+          <p:txBody>
+            <a:bodyPr/>
+            <a:lstStyle/>
+            <a:p/>
+          </p:txBody>
+        </p:sp>
+        <p:sp>
+          <p:nvSpPr>
+            <p:cNvPr id="75" name="rc75"/>
+            <p:cNvSpPr/>
+            <p:nvPr/>
+          </p:nvSpPr>
+          <p:spPr>
+            <a:xfrm>
+              <a:off x="7853804" y="4434966"/>
+              <a:ext cx="240730" cy="472153"/>
+            </a:xfrm>
+            <a:prstGeom prst="rect">
+              <a:avLst/>
+            </a:prstGeom>
+            <a:solidFill>
+              <a:srgbClr val="FB6A4A">
+                <a:alpha val="100000"/>
+              </a:srgbClr>
+            </a:solidFill>
+          </p:spPr>
+          <p:txBody>
+            <a:bodyPr/>
+            <a:lstStyle/>
+            <a:p/>
+          </p:txBody>
+        </p:sp>
+        <p:sp>
+          <p:nvSpPr>
+            <p:cNvPr id="76" name="rc76"/>
+            <p:cNvSpPr/>
+            <p:nvPr/>
+          </p:nvSpPr>
+          <p:spPr>
+            <a:xfrm>
+              <a:off x="8121283" y="2369292"/>
+              <a:ext cx="240730" cy="2537827"/>
+            </a:xfrm>
+            <a:prstGeom prst="rect">
+              <a:avLst/>
+            </a:prstGeom>
+            <a:solidFill>
+              <a:srgbClr val="EF3B2C">
+                <a:alpha val="100000"/>
+              </a:srgbClr>
+            </a:solidFill>
+          </p:spPr>
+          <p:txBody>
+            <a:bodyPr/>
+            <a:lstStyle/>
+            <a:p/>
+          </p:txBody>
+        </p:sp>
+        <p:sp>
+          <p:nvSpPr>
+            <p:cNvPr id="77" name="rc77"/>
+            <p:cNvSpPr/>
+            <p:nvPr/>
+          </p:nvSpPr>
+          <p:spPr>
+            <a:xfrm>
+              <a:off x="8388761" y="4789081"/>
+              <a:ext cx="240730" cy="118038"/>
+            </a:xfrm>
+            <a:prstGeom prst="rect">
+              <a:avLst/>
+            </a:prstGeom>
+            <a:solidFill>
+              <a:srgbClr val="CB181D">
+                <a:alpha val="100000"/>
+              </a:srgbClr>
+            </a:solidFill>
+          </p:spPr>
+          <p:txBody>
+            <a:bodyPr/>
+            <a:lstStyle/>
+            <a:p/>
+          </p:txBody>
+        </p:sp>
+        <p:sp>
+          <p:nvSpPr>
+            <p:cNvPr id="78" name="rc78"/>
+            <p:cNvSpPr/>
+            <p:nvPr/>
+          </p:nvSpPr>
+          <p:spPr>
+            <a:xfrm>
+              <a:off x="8656240" y="4021831"/>
+              <a:ext cx="240730" cy="885288"/>
+            </a:xfrm>
+            <a:prstGeom prst="rect">
+              <a:avLst/>
+            </a:prstGeom>
+            <a:solidFill>
+              <a:srgbClr val="99000D">
+                <a:alpha val="100000"/>
+              </a:srgbClr>
+            </a:solidFill>
+          </p:spPr>
+          <p:txBody>
+            <a:bodyPr/>
+            <a:lstStyle/>
+            <a:p/>
+          </p:txBody>
+        </p:sp>
+        <p:sp>
+          <p:nvSpPr>
+            <p:cNvPr id="79" name="rc79"/>
+            <p:cNvSpPr/>
+            <p:nvPr/>
+          </p:nvSpPr>
+          <p:spPr>
+            <a:xfrm>
+              <a:off x="6743768" y="1809173"/>
+              <a:ext cx="2193323" cy="3245468"/>
+            </a:xfrm>
+            <a:prstGeom prst="rect">
+              <a:avLst/>
+            </a:prstGeom>
+            <a:ln w="13550" cap="rnd">
+              <a:solidFill>
+                <a:srgbClr val="333333">
+                  <a:alpha val="100000"/>
+                </a:srgbClr>
+              </a:solidFill>
+              <a:prstDash val="solid"/>
+              <a:round/>
+            </a:ln>
+          </p:spPr>
+          <p:txBody>
+            <a:bodyPr/>
+            <a:lstStyle/>
+            <a:p/>
+          </p:txBody>
+        </p:sp>
+        <p:sp>
+          <p:nvSpPr>
+            <p:cNvPr id="80" name="rc80"/>
+            <p:cNvSpPr/>
+            <p:nvPr/>
+          </p:nvSpPr>
+          <p:spPr>
+            <a:xfrm>
+              <a:off x="2217943" y="1590617"/>
+              <a:ext cx="2193323" cy="218555"/>
+            </a:xfrm>
+            <a:prstGeom prst="rect">
+              <a:avLst/>
+            </a:prstGeom>
+            <a:solidFill>
+              <a:srgbClr val="D9D9D9">
+                <a:alpha val="100000"/>
+              </a:srgbClr>
+            </a:solidFill>
+            <a:ln w="13550" cap="rnd">
+              <a:solidFill>
+                <a:srgbClr val="333333">
+                  <a:alpha val="100000"/>
+                </a:srgbClr>
+              </a:solidFill>
+              <a:prstDash val="solid"/>
+              <a:round/>
+            </a:ln>
+          </p:spPr>
+          <p:txBody>
+            <a:bodyPr/>
+            <a:lstStyle/>
+            <a:p/>
+          </p:txBody>
+        </p:sp>
+        <p:sp>
+          <p:nvSpPr>
+            <p:cNvPr id="81" name="tx81"/>
+            <p:cNvSpPr/>
+            <p:nvPr/>
+          </p:nvSpPr>
+          <p:spPr>
+            <a:xfrm>
+              <a:off x="3105055" y="1670045"/>
+              <a:ext cx="419100" cy="69850"/>
             </a:xfrm>
             <a:prstGeom prst="rect">
               <a:avLst/>
@@ -4737,30 +5978,65 @@
                 </a:spcAft>
               </a:pPr>
               <a:r>
-                <a:rPr sz="880" b="1">
+                <a:rPr sz="880">
                   <a:solidFill>
-                    <a:srgbClr val="4D4D4D">
+                    <a:srgbClr val="1A1A1A">
                       <a:alpha val="100000"/>
                     </a:srgbClr>
                   </a:solidFill>
                   <a:latin typeface="Arial"/>
                   <a:cs typeface="Arial"/>
                 </a:rPr>
-                <a:t>9</a:t>
+                <a:t>基础研究者</a:t>
               </a:r>
             </a:p>
           </p:txBody>
         </p:sp>
         <p:sp>
           <p:nvSpPr>
-            <p:cNvPr id="45" name="tx45"/>
-            <p:cNvSpPr/>
-            <p:nvPr/>
-          </p:nvSpPr>
-          <p:spPr>
-            <a:xfrm>
-              <a:off x="1926599" y="4893127"/>
-              <a:ext cx="62155" cy="81746"/>
+            <p:cNvPr id="82" name="rc82"/>
+            <p:cNvSpPr/>
+            <p:nvPr/>
+          </p:nvSpPr>
+          <p:spPr>
+            <a:xfrm>
+              <a:off x="4480856" y="1590617"/>
+              <a:ext cx="2193323" cy="218555"/>
+            </a:xfrm>
+            <a:prstGeom prst="rect">
+              <a:avLst/>
+            </a:prstGeom>
+            <a:solidFill>
+              <a:srgbClr val="D9D9D9">
+                <a:alpha val="100000"/>
+              </a:srgbClr>
+            </a:solidFill>
+            <a:ln w="13550" cap="rnd">
+              <a:solidFill>
+                <a:srgbClr val="333333">
+                  <a:alpha val="100000"/>
+                </a:srgbClr>
+              </a:solidFill>
+              <a:prstDash val="solid"/>
+              <a:round/>
+            </a:ln>
+          </p:spPr>
+          <p:txBody>
+            <a:bodyPr/>
+            <a:lstStyle/>
+            <a:p/>
+          </p:txBody>
+        </p:sp>
+        <p:sp>
+          <p:nvSpPr>
+            <p:cNvPr id="83" name="tx83"/>
+            <p:cNvSpPr/>
+            <p:nvPr/>
+          </p:nvSpPr>
+          <p:spPr>
+            <a:xfrm>
+              <a:off x="5409878" y="1670045"/>
+              <a:ext cx="335280" cy="69850"/>
             </a:xfrm>
             <a:prstGeom prst="rect">
               <a:avLst/>
@@ -4783,30 +6059,65 @@
                 </a:spcAft>
               </a:pPr>
               <a:r>
-                <a:rPr sz="880" b="1">
+                <a:rPr sz="880">
                   <a:solidFill>
-                    <a:srgbClr val="4D4D4D">
+                    <a:srgbClr val="1A1A1A">
                       <a:alpha val="100000"/>
                     </a:srgbClr>
                   </a:solidFill>
                   <a:latin typeface="Arial"/>
                   <a:cs typeface="Arial"/>
                 </a:rPr>
-                <a:t>8</a:t>
+                <a:t>临床医生</a:t>
               </a:r>
             </a:p>
           </p:txBody>
         </p:sp>
         <p:sp>
           <p:nvSpPr>
-            <p:cNvPr id="46" name="tx46"/>
-            <p:cNvSpPr/>
-            <p:nvPr/>
-          </p:nvSpPr>
-          <p:spPr>
-            <a:xfrm>
-              <a:off x="1926599" y="4455931"/>
-              <a:ext cx="62155" cy="78908"/>
+            <p:cNvPr id="84" name="rc84"/>
+            <p:cNvSpPr/>
+            <p:nvPr/>
+          </p:nvSpPr>
+          <p:spPr>
+            <a:xfrm>
+              <a:off x="6743768" y="1590617"/>
+              <a:ext cx="2193323" cy="218555"/>
+            </a:xfrm>
+            <a:prstGeom prst="rect">
+              <a:avLst/>
+            </a:prstGeom>
+            <a:solidFill>
+              <a:srgbClr val="D9D9D9">
+                <a:alpha val="100000"/>
+              </a:srgbClr>
+            </a:solidFill>
+            <a:ln w="13550" cap="rnd">
+              <a:solidFill>
+                <a:srgbClr val="333333">
+                  <a:alpha val="100000"/>
+                </a:srgbClr>
+              </a:solidFill>
+              <a:prstDash val="solid"/>
+              <a:round/>
+            </a:ln>
+          </p:spPr>
+          <p:txBody>
+            <a:bodyPr/>
+            <a:lstStyle/>
+            <a:p/>
+          </p:txBody>
+        </p:sp>
+        <p:sp>
+          <p:nvSpPr>
+            <p:cNvPr id="85" name="tx85"/>
+            <p:cNvSpPr/>
+            <p:nvPr/>
+          </p:nvSpPr>
+          <p:spPr>
+            <a:xfrm>
+              <a:off x="7672790" y="1670045"/>
+              <a:ext cx="335280" cy="69850"/>
             </a:xfrm>
             <a:prstGeom prst="rect">
               <a:avLst/>
@@ -4829,323 +6140,47 @@
                 </a:spcAft>
               </a:pPr>
               <a:r>
-                <a:rPr sz="880" b="1">
+                <a:rPr sz="880">
                   <a:solidFill>
-                    <a:srgbClr val="4D4D4D">
+                    <a:srgbClr val="1A1A1A">
                       <a:alpha val="100000"/>
                     </a:srgbClr>
                   </a:solidFill>
                   <a:latin typeface="Arial"/>
                   <a:cs typeface="Arial"/>
                 </a:rPr>
-                <a:t>7</a:t>
+                <a:t>企业人员</a:t>
               </a:r>
             </a:p>
           </p:txBody>
         </p:sp>
         <p:sp>
           <p:nvSpPr>
-            <p:cNvPr id="47" name="tx47"/>
-            <p:cNvSpPr/>
-            <p:nvPr/>
-          </p:nvSpPr>
-          <p:spPr>
-            <a:xfrm>
-              <a:off x="1926599" y="4013114"/>
-              <a:ext cx="62155" cy="81691"/>
-            </a:xfrm>
-            <a:prstGeom prst="rect">
-              <a:avLst/>
-            </a:prstGeom>
-            <a:noFill/>
-          </p:spPr>
-          <p:txBody>
-            <a:bodyPr lIns="0" rIns="0" tIns="0" bIns="0" anchorCtr="1" anchor="ctr" wrap="none"/>
-            <a:lstStyle/>
-            <a:p>
-              <a:pPr algn="l" marL="0" marR="0" indent="0">
-                <a:lnSpc>
-                  <a:spcPts val="880"/>
-                </a:lnSpc>
-                <a:spcBef>
-                  <a:spcPts val="0"/>
-                </a:spcBef>
-                <a:spcAft>
-                  <a:spcPts val="0"/>
-                </a:spcAft>
-              </a:pPr>
-              <a:r>
-                <a:rPr sz="880" b="1">
-                  <a:solidFill>
-                    <a:srgbClr val="4D4D4D">
-                      <a:alpha val="100000"/>
-                    </a:srgbClr>
-                  </a:solidFill>
-                  <a:latin typeface="Arial"/>
-                  <a:cs typeface="Arial"/>
-                </a:rPr>
-                <a:t>6</a:t>
-              </a:r>
-            </a:p>
-          </p:txBody>
-        </p:sp>
-        <p:sp>
-          <p:nvSpPr>
-            <p:cNvPr id="48" name="tx48"/>
-            <p:cNvSpPr/>
-            <p:nvPr/>
-          </p:nvSpPr>
-          <p:spPr>
-            <a:xfrm>
-              <a:off x="1926599" y="3574499"/>
-              <a:ext cx="62155" cy="80272"/>
-            </a:xfrm>
-            <a:prstGeom prst="rect">
-              <a:avLst/>
-            </a:prstGeom>
-            <a:noFill/>
-          </p:spPr>
-          <p:txBody>
-            <a:bodyPr lIns="0" rIns="0" tIns="0" bIns="0" anchorCtr="1" anchor="ctr" wrap="none"/>
-            <a:lstStyle/>
-            <a:p>
-              <a:pPr algn="l" marL="0" marR="0" indent="0">
-                <a:lnSpc>
-                  <a:spcPts val="880"/>
-                </a:lnSpc>
-                <a:spcBef>
-                  <a:spcPts val="0"/>
-                </a:spcBef>
-                <a:spcAft>
-                  <a:spcPts val="0"/>
-                </a:spcAft>
-              </a:pPr>
-              <a:r>
-                <a:rPr sz="880" b="1">
-                  <a:solidFill>
-                    <a:srgbClr val="4D4D4D">
-                      <a:alpha val="100000"/>
-                    </a:srgbClr>
-                  </a:solidFill>
-                  <a:latin typeface="Arial"/>
-                  <a:cs typeface="Arial"/>
-                </a:rPr>
-                <a:t>5</a:t>
-              </a:r>
-            </a:p>
-          </p:txBody>
-        </p:sp>
-        <p:sp>
-          <p:nvSpPr>
-            <p:cNvPr id="49" name="tx49"/>
-            <p:cNvSpPr/>
-            <p:nvPr/>
-          </p:nvSpPr>
-          <p:spPr>
-            <a:xfrm>
-              <a:off x="1926599" y="3134411"/>
-              <a:ext cx="62155" cy="80327"/>
-            </a:xfrm>
-            <a:prstGeom prst="rect">
-              <a:avLst/>
-            </a:prstGeom>
-            <a:noFill/>
-          </p:spPr>
-          <p:txBody>
-            <a:bodyPr lIns="0" rIns="0" tIns="0" bIns="0" anchorCtr="1" anchor="ctr" wrap="none"/>
-            <a:lstStyle/>
-            <a:p>
-              <a:pPr algn="l" marL="0" marR="0" indent="0">
-                <a:lnSpc>
-                  <a:spcPts val="880"/>
-                </a:lnSpc>
-                <a:spcBef>
-                  <a:spcPts val="0"/>
-                </a:spcBef>
-                <a:spcAft>
-                  <a:spcPts val="0"/>
-                </a:spcAft>
-              </a:pPr>
-              <a:r>
-                <a:rPr sz="880" b="1">
-                  <a:solidFill>
-                    <a:srgbClr val="4D4D4D">
-                      <a:alpha val="100000"/>
-                    </a:srgbClr>
-                  </a:solidFill>
-                  <a:latin typeface="Arial"/>
-                  <a:cs typeface="Arial"/>
-                </a:rPr>
-                <a:t>4</a:t>
-              </a:r>
-            </a:p>
-          </p:txBody>
-        </p:sp>
-        <p:sp>
-          <p:nvSpPr>
-            <p:cNvPr id="50" name="tx50"/>
-            <p:cNvSpPr/>
-            <p:nvPr/>
-          </p:nvSpPr>
-          <p:spPr>
-            <a:xfrm>
-              <a:off x="1926599" y="2693013"/>
-              <a:ext cx="62155" cy="81691"/>
-            </a:xfrm>
-            <a:prstGeom prst="rect">
-              <a:avLst/>
-            </a:prstGeom>
-            <a:noFill/>
-          </p:spPr>
-          <p:txBody>
-            <a:bodyPr lIns="0" rIns="0" tIns="0" bIns="0" anchorCtr="1" anchor="ctr" wrap="none"/>
-            <a:lstStyle/>
-            <a:p>
-              <a:pPr algn="l" marL="0" marR="0" indent="0">
-                <a:lnSpc>
-                  <a:spcPts val="880"/>
-                </a:lnSpc>
-                <a:spcBef>
-                  <a:spcPts val="0"/>
-                </a:spcBef>
-                <a:spcAft>
-                  <a:spcPts val="0"/>
-                </a:spcAft>
-              </a:pPr>
-              <a:r>
-                <a:rPr sz="880" b="1">
-                  <a:solidFill>
-                    <a:srgbClr val="4D4D4D">
-                      <a:alpha val="100000"/>
-                    </a:srgbClr>
-                  </a:solidFill>
-                  <a:latin typeface="Arial"/>
-                  <a:cs typeface="Arial"/>
-                </a:rPr>
-                <a:t>3</a:t>
-              </a:r>
-            </a:p>
-          </p:txBody>
-        </p:sp>
-        <p:sp>
-          <p:nvSpPr>
-            <p:cNvPr id="51" name="tx51"/>
-            <p:cNvSpPr/>
-            <p:nvPr/>
-          </p:nvSpPr>
-          <p:spPr>
-            <a:xfrm>
-              <a:off x="1926599" y="2254343"/>
-              <a:ext cx="62155" cy="80327"/>
-            </a:xfrm>
-            <a:prstGeom prst="rect">
-              <a:avLst/>
-            </a:prstGeom>
-            <a:noFill/>
-          </p:spPr>
-          <p:txBody>
-            <a:bodyPr lIns="0" rIns="0" tIns="0" bIns="0" anchorCtr="1" anchor="ctr" wrap="none"/>
-            <a:lstStyle/>
-            <a:p>
-              <a:pPr algn="l" marL="0" marR="0" indent="0">
-                <a:lnSpc>
-                  <a:spcPts val="880"/>
-                </a:lnSpc>
-                <a:spcBef>
-                  <a:spcPts val="0"/>
-                </a:spcBef>
-                <a:spcAft>
-                  <a:spcPts val="0"/>
-                </a:spcAft>
-              </a:pPr>
-              <a:r>
-                <a:rPr sz="880" b="1">
-                  <a:solidFill>
-                    <a:srgbClr val="4D4D4D">
-                      <a:alpha val="100000"/>
-                    </a:srgbClr>
-                  </a:solidFill>
-                  <a:latin typeface="Arial"/>
-                  <a:cs typeface="Arial"/>
-                </a:rPr>
-                <a:t>2</a:t>
-              </a:r>
-            </a:p>
-          </p:txBody>
-        </p:sp>
-        <p:sp>
-          <p:nvSpPr>
-            <p:cNvPr id="52" name="tx52"/>
-            <p:cNvSpPr/>
-            <p:nvPr/>
-          </p:nvSpPr>
-          <p:spPr>
-            <a:xfrm>
-              <a:off x="1926599" y="1814310"/>
-              <a:ext cx="62155" cy="80327"/>
-            </a:xfrm>
-            <a:prstGeom prst="rect">
-              <a:avLst/>
-            </a:prstGeom>
-            <a:noFill/>
-          </p:spPr>
-          <p:txBody>
-            <a:bodyPr lIns="0" rIns="0" tIns="0" bIns="0" anchorCtr="1" anchor="ctr" wrap="none"/>
-            <a:lstStyle/>
-            <a:p>
-              <a:pPr algn="l" marL="0" marR="0" indent="0">
-                <a:lnSpc>
-                  <a:spcPts val="880"/>
-                </a:lnSpc>
-                <a:spcBef>
-                  <a:spcPts val="0"/>
-                </a:spcBef>
-                <a:spcAft>
-                  <a:spcPts val="0"/>
-                </a:spcAft>
-              </a:pPr>
-              <a:r>
-                <a:rPr sz="880" b="1">
-                  <a:solidFill>
-                    <a:srgbClr val="4D4D4D">
-                      <a:alpha val="100000"/>
-                    </a:srgbClr>
-                  </a:solidFill>
-                  <a:latin typeface="Arial"/>
-                  <a:cs typeface="Arial"/>
-                </a:rPr>
-                <a:t>1</a:t>
-              </a:r>
-            </a:p>
-          </p:txBody>
-        </p:sp>
-        <p:sp>
-          <p:nvSpPr>
-            <p:cNvPr id="53" name="pl53"/>
-            <p:cNvSpPr/>
-            <p:nvPr/>
-          </p:nvSpPr>
-          <p:spPr>
-            <a:xfrm>
-              <a:off x="1988754" y="5374907"/>
-              <a:ext cx="34794" cy="0"/>
+            <p:cNvPr id="86" name="pl86"/>
+            <p:cNvSpPr/>
+            <p:nvPr/>
+          </p:nvSpPr>
+          <p:spPr>
+            <a:xfrm>
+              <a:off x="2378430" y="5054641"/>
+              <a:ext cx="0" cy="34794"/>
             </a:xfrm>
             <a:custGeom>
               <a:avLst/>
               <a:pathLst>
-                <a:path w="34794" h="0">
+                <a:path w="0" h="34794">
                   <a:moveTo>
-                    <a:pt x="0" y="0"/>
+                    <a:pt x="0" y="34794"/>
                   </a:moveTo>
                   <a:lnTo>
-                    <a:pt x="34794" y="0"/>
+                    <a:pt x="0" y="0"/>
                   </a:lnTo>
                 </a:path>
               </a:pathLst>
             </a:custGeom>
-            <a:ln w="6775" cap="flat">
+            <a:ln w="13550" cap="flat">
               <a:solidFill>
-                <a:srgbClr val="B3B3B3">
+                <a:srgbClr val="333333">
                   <a:alpha val="100000"/>
                 </a:srgbClr>
               </a:solidFill>
@@ -5161,31 +6196,31 @@
         </p:sp>
         <p:sp>
           <p:nvSpPr>
-            <p:cNvPr id="54" name="pl54"/>
-            <p:cNvSpPr/>
-            <p:nvPr/>
-          </p:nvSpPr>
-          <p:spPr>
-            <a:xfrm>
-              <a:off x="1988754" y="4934873"/>
-              <a:ext cx="34794" cy="0"/>
+            <p:cNvPr id="87" name="pl87"/>
+            <p:cNvSpPr/>
+            <p:nvPr/>
+          </p:nvSpPr>
+          <p:spPr>
+            <a:xfrm>
+              <a:off x="2645909" y="5054641"/>
+              <a:ext cx="0" cy="34794"/>
             </a:xfrm>
             <a:custGeom>
               <a:avLst/>
               <a:pathLst>
-                <a:path w="34794" h="0">
+                <a:path w="0" h="34794">
                   <a:moveTo>
-                    <a:pt x="0" y="0"/>
+                    <a:pt x="0" y="34794"/>
                   </a:moveTo>
                   <a:lnTo>
-                    <a:pt x="34794" y="0"/>
+                    <a:pt x="0" y="0"/>
                   </a:lnTo>
                 </a:path>
               </a:pathLst>
             </a:custGeom>
-            <a:ln w="6775" cap="flat">
+            <a:ln w="13550" cap="flat">
               <a:solidFill>
-                <a:srgbClr val="B3B3B3">
+                <a:srgbClr val="333333">
                   <a:alpha val="100000"/>
                 </a:srgbClr>
               </a:solidFill>
@@ -5201,31 +6236,31 @@
         </p:sp>
         <p:sp>
           <p:nvSpPr>
-            <p:cNvPr id="55" name="pl55"/>
-            <p:cNvSpPr/>
-            <p:nvPr/>
-          </p:nvSpPr>
-          <p:spPr>
-            <a:xfrm>
-              <a:off x="1988754" y="4494840"/>
-              <a:ext cx="34794" cy="0"/>
+            <p:cNvPr id="88" name="pl88"/>
+            <p:cNvSpPr/>
+            <p:nvPr/>
+          </p:nvSpPr>
+          <p:spPr>
+            <a:xfrm>
+              <a:off x="2913387" y="5054641"/>
+              <a:ext cx="0" cy="34794"/>
             </a:xfrm>
             <a:custGeom>
               <a:avLst/>
               <a:pathLst>
-                <a:path w="34794" h="0">
+                <a:path w="0" h="34794">
                   <a:moveTo>
-                    <a:pt x="0" y="0"/>
+                    <a:pt x="0" y="34794"/>
                   </a:moveTo>
                   <a:lnTo>
-                    <a:pt x="34794" y="0"/>
+                    <a:pt x="0" y="0"/>
                   </a:lnTo>
                 </a:path>
               </a:pathLst>
             </a:custGeom>
-            <a:ln w="6775" cap="flat">
+            <a:ln w="13550" cap="flat">
               <a:solidFill>
-                <a:srgbClr val="B3B3B3">
+                <a:srgbClr val="333333">
                   <a:alpha val="100000"/>
                 </a:srgbClr>
               </a:solidFill>
@@ -5241,31 +6276,31 @@
         </p:sp>
         <p:sp>
           <p:nvSpPr>
-            <p:cNvPr id="56" name="pl56"/>
-            <p:cNvSpPr/>
-            <p:nvPr/>
-          </p:nvSpPr>
-          <p:spPr>
-            <a:xfrm>
-              <a:off x="1988754" y="4054806"/>
-              <a:ext cx="34794" cy="0"/>
+            <p:cNvPr id="89" name="pl89"/>
+            <p:cNvSpPr/>
+            <p:nvPr/>
+          </p:nvSpPr>
+          <p:spPr>
+            <a:xfrm>
+              <a:off x="3180866" y="5054641"/>
+              <a:ext cx="0" cy="34794"/>
             </a:xfrm>
             <a:custGeom>
               <a:avLst/>
               <a:pathLst>
-                <a:path w="34794" h="0">
+                <a:path w="0" h="34794">
                   <a:moveTo>
-                    <a:pt x="0" y="0"/>
+                    <a:pt x="0" y="34794"/>
                   </a:moveTo>
                   <a:lnTo>
-                    <a:pt x="34794" y="0"/>
+                    <a:pt x="0" y="0"/>
                   </a:lnTo>
                 </a:path>
               </a:pathLst>
             </a:custGeom>
-            <a:ln w="6775" cap="flat">
+            <a:ln w="13550" cap="flat">
               <a:solidFill>
-                <a:srgbClr val="B3B3B3">
+                <a:srgbClr val="333333">
                   <a:alpha val="100000"/>
                 </a:srgbClr>
               </a:solidFill>
@@ -5281,31 +6316,31 @@
         </p:sp>
         <p:sp>
           <p:nvSpPr>
-            <p:cNvPr id="57" name="pl57"/>
-            <p:cNvSpPr/>
-            <p:nvPr/>
-          </p:nvSpPr>
-          <p:spPr>
-            <a:xfrm>
-              <a:off x="1988754" y="3614772"/>
-              <a:ext cx="34794" cy="0"/>
+            <p:cNvPr id="90" name="pl90"/>
+            <p:cNvSpPr/>
+            <p:nvPr/>
+          </p:nvSpPr>
+          <p:spPr>
+            <a:xfrm>
+              <a:off x="3448344" y="5054641"/>
+              <a:ext cx="0" cy="34794"/>
             </a:xfrm>
             <a:custGeom>
               <a:avLst/>
               <a:pathLst>
-                <a:path w="34794" h="0">
+                <a:path w="0" h="34794">
                   <a:moveTo>
-                    <a:pt x="0" y="0"/>
+                    <a:pt x="0" y="34794"/>
                   </a:moveTo>
                   <a:lnTo>
-                    <a:pt x="34794" y="0"/>
+                    <a:pt x="0" y="0"/>
                   </a:lnTo>
                 </a:path>
               </a:pathLst>
             </a:custGeom>
-            <a:ln w="6775" cap="flat">
+            <a:ln w="13550" cap="flat">
               <a:solidFill>
-                <a:srgbClr val="B3B3B3">
+                <a:srgbClr val="333333">
                   <a:alpha val="100000"/>
                 </a:srgbClr>
               </a:solidFill>
@@ -5321,31 +6356,31 @@
         </p:sp>
         <p:sp>
           <p:nvSpPr>
-            <p:cNvPr id="58" name="pl58"/>
-            <p:cNvSpPr/>
-            <p:nvPr/>
-          </p:nvSpPr>
-          <p:spPr>
-            <a:xfrm>
-              <a:off x="1988754" y="3174738"/>
-              <a:ext cx="34794" cy="0"/>
+            <p:cNvPr id="91" name="pl91"/>
+            <p:cNvSpPr/>
+            <p:nvPr/>
+          </p:nvSpPr>
+          <p:spPr>
+            <a:xfrm>
+              <a:off x="3715823" y="5054641"/>
+              <a:ext cx="0" cy="34794"/>
             </a:xfrm>
             <a:custGeom>
               <a:avLst/>
               <a:pathLst>
-                <a:path w="34794" h="0">
+                <a:path w="0" h="34794">
                   <a:moveTo>
-                    <a:pt x="0" y="0"/>
+                    <a:pt x="0" y="34794"/>
                   </a:moveTo>
                   <a:lnTo>
-                    <a:pt x="34794" y="0"/>
+                    <a:pt x="0" y="0"/>
                   </a:lnTo>
                 </a:path>
               </a:pathLst>
             </a:custGeom>
-            <a:ln w="6775" cap="flat">
+            <a:ln w="13550" cap="flat">
               <a:solidFill>
-                <a:srgbClr val="B3B3B3">
+                <a:srgbClr val="333333">
                   <a:alpha val="100000"/>
                 </a:srgbClr>
               </a:solidFill>
@@ -5361,31 +6396,31 @@
         </p:sp>
         <p:sp>
           <p:nvSpPr>
-            <p:cNvPr id="59" name="pl59"/>
-            <p:cNvSpPr/>
-            <p:nvPr/>
-          </p:nvSpPr>
-          <p:spPr>
-            <a:xfrm>
-              <a:off x="1988754" y="2734705"/>
-              <a:ext cx="34794" cy="0"/>
+            <p:cNvPr id="92" name="pl92"/>
+            <p:cNvSpPr/>
+            <p:nvPr/>
+          </p:nvSpPr>
+          <p:spPr>
+            <a:xfrm>
+              <a:off x="3983301" y="5054641"/>
+              <a:ext cx="0" cy="34794"/>
             </a:xfrm>
             <a:custGeom>
               <a:avLst/>
               <a:pathLst>
-                <a:path w="34794" h="0">
+                <a:path w="0" h="34794">
                   <a:moveTo>
-                    <a:pt x="0" y="0"/>
+                    <a:pt x="0" y="34794"/>
                   </a:moveTo>
                   <a:lnTo>
-                    <a:pt x="34794" y="0"/>
+                    <a:pt x="0" y="0"/>
                   </a:lnTo>
                 </a:path>
               </a:pathLst>
             </a:custGeom>
-            <a:ln w="6775" cap="flat">
+            <a:ln w="13550" cap="flat">
               <a:solidFill>
-                <a:srgbClr val="B3B3B3">
+                <a:srgbClr val="333333">
                   <a:alpha val="100000"/>
                 </a:srgbClr>
               </a:solidFill>
@@ -5401,31 +6436,31 @@
         </p:sp>
         <p:sp>
           <p:nvSpPr>
-            <p:cNvPr id="60" name="pl60"/>
-            <p:cNvSpPr/>
-            <p:nvPr/>
-          </p:nvSpPr>
-          <p:spPr>
-            <a:xfrm>
-              <a:off x="1988754" y="2294671"/>
-              <a:ext cx="34794" cy="0"/>
+            <p:cNvPr id="93" name="pl93"/>
+            <p:cNvSpPr/>
+            <p:nvPr/>
+          </p:nvSpPr>
+          <p:spPr>
+            <a:xfrm>
+              <a:off x="4250780" y="5054641"/>
+              <a:ext cx="0" cy="34794"/>
             </a:xfrm>
             <a:custGeom>
               <a:avLst/>
               <a:pathLst>
-                <a:path w="34794" h="0">
+                <a:path w="0" h="34794">
                   <a:moveTo>
-                    <a:pt x="0" y="0"/>
+                    <a:pt x="0" y="34794"/>
                   </a:moveTo>
                   <a:lnTo>
-                    <a:pt x="34794" y="0"/>
+                    <a:pt x="0" y="0"/>
                   </a:lnTo>
                 </a:path>
               </a:pathLst>
             </a:custGeom>
-            <a:ln w="6775" cap="flat">
+            <a:ln w="13550" cap="flat">
               <a:solidFill>
-                <a:srgbClr val="B3B3B3">
+                <a:srgbClr val="333333">
                   <a:alpha val="100000"/>
                 </a:srgbClr>
               </a:solidFill>
@@ -5441,31 +6476,31 @@
         </p:sp>
         <p:sp>
           <p:nvSpPr>
-            <p:cNvPr id="61" name="pl61"/>
-            <p:cNvSpPr/>
-            <p:nvPr/>
-          </p:nvSpPr>
-          <p:spPr>
-            <a:xfrm>
-              <a:off x="1988754" y="1854637"/>
-              <a:ext cx="34794" cy="0"/>
+            <p:cNvPr id="94" name="pl94"/>
+            <p:cNvSpPr/>
+            <p:nvPr/>
+          </p:nvSpPr>
+          <p:spPr>
+            <a:xfrm>
+              <a:off x="4641343" y="5054641"/>
+              <a:ext cx="0" cy="34794"/>
             </a:xfrm>
             <a:custGeom>
               <a:avLst/>
               <a:pathLst>
-                <a:path w="34794" h="0">
+                <a:path w="0" h="34794">
                   <a:moveTo>
-                    <a:pt x="0" y="0"/>
+                    <a:pt x="0" y="34794"/>
                   </a:moveTo>
                   <a:lnTo>
-                    <a:pt x="34794" y="0"/>
+                    <a:pt x="0" y="0"/>
                   </a:lnTo>
                 </a:path>
               </a:pathLst>
             </a:custGeom>
-            <a:ln w="6775" cap="flat">
+            <a:ln w="13550" cap="flat">
               <a:solidFill>
-                <a:srgbClr val="B3B3B3">
+                <a:srgbClr val="333333">
                   <a:alpha val="100000"/>
                 </a:srgbClr>
               </a:solidFill>
@@ -5481,13 +6516,13 @@
         </p:sp>
         <p:sp>
           <p:nvSpPr>
-            <p:cNvPr id="62" name="pl62"/>
-            <p:cNvSpPr/>
-            <p:nvPr/>
-          </p:nvSpPr>
-          <p:spPr>
-            <a:xfrm>
-              <a:off x="2023549" y="5638927"/>
+            <p:cNvPr id="95" name="pl95"/>
+            <p:cNvSpPr/>
+            <p:nvPr/>
+          </p:nvSpPr>
+          <p:spPr>
+            <a:xfrm>
+              <a:off x="4908821" y="5054641"/>
               <a:ext cx="0" cy="34794"/>
             </a:xfrm>
             <a:custGeom>
@@ -5503,9 +6538,9 @@
                 </a:path>
               </a:pathLst>
             </a:custGeom>
-            <a:ln w="6775" cap="flat">
+            <a:ln w="13550" cap="flat">
               <a:solidFill>
-                <a:srgbClr val="B3B3B3">
+                <a:srgbClr val="333333">
                   <a:alpha val="100000"/>
                 </a:srgbClr>
               </a:solidFill>
@@ -5521,13 +6556,13 @@
         </p:sp>
         <p:sp>
           <p:nvSpPr>
-            <p:cNvPr id="63" name="pl63"/>
-            <p:cNvSpPr/>
-            <p:nvPr/>
-          </p:nvSpPr>
-          <p:spPr>
-            <a:xfrm>
-              <a:off x="3514526" y="5638927"/>
+            <p:cNvPr id="96" name="pl96"/>
+            <p:cNvSpPr/>
+            <p:nvPr/>
+          </p:nvSpPr>
+          <p:spPr>
+            <a:xfrm>
+              <a:off x="5176300" y="5054641"/>
               <a:ext cx="0" cy="34794"/>
             </a:xfrm>
             <a:custGeom>
@@ -5543,9 +6578,9 @@
                 </a:path>
               </a:pathLst>
             </a:custGeom>
-            <a:ln w="6775" cap="flat">
+            <a:ln w="13550" cap="flat">
               <a:solidFill>
-                <a:srgbClr val="B3B3B3">
+                <a:srgbClr val="333333">
                   <a:alpha val="100000"/>
                 </a:srgbClr>
               </a:solidFill>
@@ -5561,13 +6596,13 @@
         </p:sp>
         <p:sp>
           <p:nvSpPr>
-            <p:cNvPr id="64" name="pl64"/>
-            <p:cNvSpPr/>
-            <p:nvPr/>
-          </p:nvSpPr>
-          <p:spPr>
-            <a:xfrm>
-              <a:off x="5005504" y="5638927"/>
+            <p:cNvPr id="97" name="pl97"/>
+            <p:cNvSpPr/>
+            <p:nvPr/>
+          </p:nvSpPr>
+          <p:spPr>
+            <a:xfrm>
+              <a:off x="5443778" y="5054641"/>
               <a:ext cx="0" cy="34794"/>
             </a:xfrm>
             <a:custGeom>
@@ -5583,9 +6618,9 @@
                 </a:path>
               </a:pathLst>
             </a:custGeom>
-            <a:ln w="6775" cap="flat">
+            <a:ln w="13550" cap="flat">
               <a:solidFill>
-                <a:srgbClr val="B3B3B3">
+                <a:srgbClr val="333333">
                   <a:alpha val="100000"/>
                 </a:srgbClr>
               </a:solidFill>
@@ -5601,13 +6636,13 @@
         </p:sp>
         <p:sp>
           <p:nvSpPr>
-            <p:cNvPr id="65" name="pl65"/>
-            <p:cNvSpPr/>
-            <p:nvPr/>
-          </p:nvSpPr>
-          <p:spPr>
-            <a:xfrm>
-              <a:off x="6496481" y="5638927"/>
+            <p:cNvPr id="98" name="pl98"/>
+            <p:cNvSpPr/>
+            <p:nvPr/>
+          </p:nvSpPr>
+          <p:spPr>
+            <a:xfrm>
+              <a:off x="5711257" y="5054641"/>
               <a:ext cx="0" cy="34794"/>
             </a:xfrm>
             <a:custGeom>
@@ -5623,9 +6658,9 @@
                 </a:path>
               </a:pathLst>
             </a:custGeom>
-            <a:ln w="6775" cap="flat">
+            <a:ln w="13550" cap="flat">
               <a:solidFill>
-                <a:srgbClr val="B3B3B3">
+                <a:srgbClr val="333333">
                   <a:alpha val="100000"/>
                 </a:srgbClr>
               </a:solidFill>
@@ -5641,13 +6676,13 @@
         </p:sp>
         <p:sp>
           <p:nvSpPr>
-            <p:cNvPr id="66" name="pl66"/>
-            <p:cNvSpPr/>
-            <p:nvPr/>
-          </p:nvSpPr>
-          <p:spPr>
-            <a:xfrm>
-              <a:off x="7987459" y="5638927"/>
+            <p:cNvPr id="99" name="pl99"/>
+            <p:cNvSpPr/>
+            <p:nvPr/>
+          </p:nvSpPr>
+          <p:spPr>
+            <a:xfrm>
+              <a:off x="5978735" y="5054641"/>
               <a:ext cx="0" cy="34794"/>
             </a:xfrm>
             <a:custGeom>
@@ -5663,9 +6698,9 @@
                 </a:path>
               </a:pathLst>
             </a:custGeom>
-            <a:ln w="6775" cap="flat">
+            <a:ln w="13550" cap="flat">
               <a:solidFill>
-                <a:srgbClr val="B3B3B3">
+                <a:srgbClr val="333333">
                   <a:alpha val="100000"/>
                 </a:srgbClr>
               </a:solidFill>
@@ -5681,14 +6716,414 @@
         </p:sp>
         <p:sp>
           <p:nvSpPr>
-            <p:cNvPr id="67" name="tx67"/>
-            <p:cNvSpPr/>
-            <p:nvPr/>
-          </p:nvSpPr>
-          <p:spPr>
-            <a:xfrm>
-              <a:off x="1992471" y="5699866"/>
-              <a:ext cx="62155" cy="81691"/>
+            <p:cNvPr id="100" name="pl100"/>
+            <p:cNvSpPr/>
+            <p:nvPr/>
+          </p:nvSpPr>
+          <p:spPr>
+            <a:xfrm>
+              <a:off x="6246214" y="5054641"/>
+              <a:ext cx="0" cy="34794"/>
+            </a:xfrm>
+            <a:custGeom>
+              <a:avLst/>
+              <a:pathLst>
+                <a:path w="0" h="34794">
+                  <a:moveTo>
+                    <a:pt x="0" y="34794"/>
+                  </a:moveTo>
+                  <a:lnTo>
+                    <a:pt x="0" y="0"/>
+                  </a:lnTo>
+                </a:path>
+              </a:pathLst>
+            </a:custGeom>
+            <a:ln w="13550" cap="flat">
+              <a:solidFill>
+                <a:srgbClr val="333333">
+                  <a:alpha val="100000"/>
+                </a:srgbClr>
+              </a:solidFill>
+              <a:prstDash val="solid"/>
+              <a:round/>
+            </a:ln>
+          </p:spPr>
+          <p:txBody>
+            <a:bodyPr/>
+            <a:lstStyle/>
+            <a:p/>
+          </p:txBody>
+        </p:sp>
+        <p:sp>
+          <p:nvSpPr>
+            <p:cNvPr id="101" name="pl101"/>
+            <p:cNvSpPr/>
+            <p:nvPr/>
+          </p:nvSpPr>
+          <p:spPr>
+            <a:xfrm>
+              <a:off x="6513692" y="5054641"/>
+              <a:ext cx="0" cy="34794"/>
+            </a:xfrm>
+            <a:custGeom>
+              <a:avLst/>
+              <a:pathLst>
+                <a:path w="0" h="34794">
+                  <a:moveTo>
+                    <a:pt x="0" y="34794"/>
+                  </a:moveTo>
+                  <a:lnTo>
+                    <a:pt x="0" y="0"/>
+                  </a:lnTo>
+                </a:path>
+              </a:pathLst>
+            </a:custGeom>
+            <a:ln w="13550" cap="flat">
+              <a:solidFill>
+                <a:srgbClr val="333333">
+                  <a:alpha val="100000"/>
+                </a:srgbClr>
+              </a:solidFill>
+              <a:prstDash val="solid"/>
+              <a:round/>
+            </a:ln>
+          </p:spPr>
+          <p:txBody>
+            <a:bodyPr/>
+            <a:lstStyle/>
+            <a:p/>
+          </p:txBody>
+        </p:sp>
+        <p:sp>
+          <p:nvSpPr>
+            <p:cNvPr id="102" name="pl102"/>
+            <p:cNvSpPr/>
+            <p:nvPr/>
+          </p:nvSpPr>
+          <p:spPr>
+            <a:xfrm>
+              <a:off x="6904255" y="5054641"/>
+              <a:ext cx="0" cy="34794"/>
+            </a:xfrm>
+            <a:custGeom>
+              <a:avLst/>
+              <a:pathLst>
+                <a:path w="0" h="34794">
+                  <a:moveTo>
+                    <a:pt x="0" y="34794"/>
+                  </a:moveTo>
+                  <a:lnTo>
+                    <a:pt x="0" y="0"/>
+                  </a:lnTo>
+                </a:path>
+              </a:pathLst>
+            </a:custGeom>
+            <a:ln w="13550" cap="flat">
+              <a:solidFill>
+                <a:srgbClr val="333333">
+                  <a:alpha val="100000"/>
+                </a:srgbClr>
+              </a:solidFill>
+              <a:prstDash val="solid"/>
+              <a:round/>
+            </a:ln>
+          </p:spPr>
+          <p:txBody>
+            <a:bodyPr/>
+            <a:lstStyle/>
+            <a:p/>
+          </p:txBody>
+        </p:sp>
+        <p:sp>
+          <p:nvSpPr>
+            <p:cNvPr id="103" name="pl103"/>
+            <p:cNvSpPr/>
+            <p:nvPr/>
+          </p:nvSpPr>
+          <p:spPr>
+            <a:xfrm>
+              <a:off x="7171734" y="5054641"/>
+              <a:ext cx="0" cy="34794"/>
+            </a:xfrm>
+            <a:custGeom>
+              <a:avLst/>
+              <a:pathLst>
+                <a:path w="0" h="34794">
+                  <a:moveTo>
+                    <a:pt x="0" y="34794"/>
+                  </a:moveTo>
+                  <a:lnTo>
+                    <a:pt x="0" y="0"/>
+                  </a:lnTo>
+                </a:path>
+              </a:pathLst>
+            </a:custGeom>
+            <a:ln w="13550" cap="flat">
+              <a:solidFill>
+                <a:srgbClr val="333333">
+                  <a:alpha val="100000"/>
+                </a:srgbClr>
+              </a:solidFill>
+              <a:prstDash val="solid"/>
+              <a:round/>
+            </a:ln>
+          </p:spPr>
+          <p:txBody>
+            <a:bodyPr/>
+            <a:lstStyle/>
+            <a:p/>
+          </p:txBody>
+        </p:sp>
+        <p:sp>
+          <p:nvSpPr>
+            <p:cNvPr id="104" name="pl104"/>
+            <p:cNvSpPr/>
+            <p:nvPr/>
+          </p:nvSpPr>
+          <p:spPr>
+            <a:xfrm>
+              <a:off x="7439212" y="5054641"/>
+              <a:ext cx="0" cy="34794"/>
+            </a:xfrm>
+            <a:custGeom>
+              <a:avLst/>
+              <a:pathLst>
+                <a:path w="0" h="34794">
+                  <a:moveTo>
+                    <a:pt x="0" y="34794"/>
+                  </a:moveTo>
+                  <a:lnTo>
+                    <a:pt x="0" y="0"/>
+                  </a:lnTo>
+                </a:path>
+              </a:pathLst>
+            </a:custGeom>
+            <a:ln w="13550" cap="flat">
+              <a:solidFill>
+                <a:srgbClr val="333333">
+                  <a:alpha val="100000"/>
+                </a:srgbClr>
+              </a:solidFill>
+              <a:prstDash val="solid"/>
+              <a:round/>
+            </a:ln>
+          </p:spPr>
+          <p:txBody>
+            <a:bodyPr/>
+            <a:lstStyle/>
+            <a:p/>
+          </p:txBody>
+        </p:sp>
+        <p:sp>
+          <p:nvSpPr>
+            <p:cNvPr id="105" name="pl105"/>
+            <p:cNvSpPr/>
+            <p:nvPr/>
+          </p:nvSpPr>
+          <p:spPr>
+            <a:xfrm>
+              <a:off x="7706691" y="5054641"/>
+              <a:ext cx="0" cy="34794"/>
+            </a:xfrm>
+            <a:custGeom>
+              <a:avLst/>
+              <a:pathLst>
+                <a:path w="0" h="34794">
+                  <a:moveTo>
+                    <a:pt x="0" y="34794"/>
+                  </a:moveTo>
+                  <a:lnTo>
+                    <a:pt x="0" y="0"/>
+                  </a:lnTo>
+                </a:path>
+              </a:pathLst>
+            </a:custGeom>
+            <a:ln w="13550" cap="flat">
+              <a:solidFill>
+                <a:srgbClr val="333333">
+                  <a:alpha val="100000"/>
+                </a:srgbClr>
+              </a:solidFill>
+              <a:prstDash val="solid"/>
+              <a:round/>
+            </a:ln>
+          </p:spPr>
+          <p:txBody>
+            <a:bodyPr/>
+            <a:lstStyle/>
+            <a:p/>
+          </p:txBody>
+        </p:sp>
+        <p:sp>
+          <p:nvSpPr>
+            <p:cNvPr id="106" name="pl106"/>
+            <p:cNvSpPr/>
+            <p:nvPr/>
+          </p:nvSpPr>
+          <p:spPr>
+            <a:xfrm>
+              <a:off x="7974169" y="5054641"/>
+              <a:ext cx="0" cy="34794"/>
+            </a:xfrm>
+            <a:custGeom>
+              <a:avLst/>
+              <a:pathLst>
+                <a:path w="0" h="34794">
+                  <a:moveTo>
+                    <a:pt x="0" y="34794"/>
+                  </a:moveTo>
+                  <a:lnTo>
+                    <a:pt x="0" y="0"/>
+                  </a:lnTo>
+                </a:path>
+              </a:pathLst>
+            </a:custGeom>
+            <a:ln w="13550" cap="flat">
+              <a:solidFill>
+                <a:srgbClr val="333333">
+                  <a:alpha val="100000"/>
+                </a:srgbClr>
+              </a:solidFill>
+              <a:prstDash val="solid"/>
+              <a:round/>
+            </a:ln>
+          </p:spPr>
+          <p:txBody>
+            <a:bodyPr/>
+            <a:lstStyle/>
+            <a:p/>
+          </p:txBody>
+        </p:sp>
+        <p:sp>
+          <p:nvSpPr>
+            <p:cNvPr id="107" name="pl107"/>
+            <p:cNvSpPr/>
+            <p:nvPr/>
+          </p:nvSpPr>
+          <p:spPr>
+            <a:xfrm>
+              <a:off x="8241648" y="5054641"/>
+              <a:ext cx="0" cy="34794"/>
+            </a:xfrm>
+            <a:custGeom>
+              <a:avLst/>
+              <a:pathLst>
+                <a:path w="0" h="34794">
+                  <a:moveTo>
+                    <a:pt x="0" y="34794"/>
+                  </a:moveTo>
+                  <a:lnTo>
+                    <a:pt x="0" y="0"/>
+                  </a:lnTo>
+                </a:path>
+              </a:pathLst>
+            </a:custGeom>
+            <a:ln w="13550" cap="flat">
+              <a:solidFill>
+                <a:srgbClr val="333333">
+                  <a:alpha val="100000"/>
+                </a:srgbClr>
+              </a:solidFill>
+              <a:prstDash val="solid"/>
+              <a:round/>
+            </a:ln>
+          </p:spPr>
+          <p:txBody>
+            <a:bodyPr/>
+            <a:lstStyle/>
+            <a:p/>
+          </p:txBody>
+        </p:sp>
+        <p:sp>
+          <p:nvSpPr>
+            <p:cNvPr id="108" name="pl108"/>
+            <p:cNvSpPr/>
+            <p:nvPr/>
+          </p:nvSpPr>
+          <p:spPr>
+            <a:xfrm>
+              <a:off x="8509126" y="5054641"/>
+              <a:ext cx="0" cy="34794"/>
+            </a:xfrm>
+            <a:custGeom>
+              <a:avLst/>
+              <a:pathLst>
+                <a:path w="0" h="34794">
+                  <a:moveTo>
+                    <a:pt x="0" y="34794"/>
+                  </a:moveTo>
+                  <a:lnTo>
+                    <a:pt x="0" y="0"/>
+                  </a:lnTo>
+                </a:path>
+              </a:pathLst>
+            </a:custGeom>
+            <a:ln w="13550" cap="flat">
+              <a:solidFill>
+                <a:srgbClr val="333333">
+                  <a:alpha val="100000"/>
+                </a:srgbClr>
+              </a:solidFill>
+              <a:prstDash val="solid"/>
+              <a:round/>
+            </a:ln>
+          </p:spPr>
+          <p:txBody>
+            <a:bodyPr/>
+            <a:lstStyle/>
+            <a:p/>
+          </p:txBody>
+        </p:sp>
+        <p:sp>
+          <p:nvSpPr>
+            <p:cNvPr id="109" name="pl109"/>
+            <p:cNvSpPr/>
+            <p:nvPr/>
+          </p:nvSpPr>
+          <p:spPr>
+            <a:xfrm>
+              <a:off x="8776605" y="5054641"/>
+              <a:ext cx="0" cy="34794"/>
+            </a:xfrm>
+            <a:custGeom>
+              <a:avLst/>
+              <a:pathLst>
+                <a:path w="0" h="34794">
+                  <a:moveTo>
+                    <a:pt x="0" y="34794"/>
+                  </a:moveTo>
+                  <a:lnTo>
+                    <a:pt x="0" y="0"/>
+                  </a:lnTo>
+                </a:path>
+              </a:pathLst>
+            </a:custGeom>
+            <a:ln w="13550" cap="flat">
+              <a:solidFill>
+                <a:srgbClr val="333333">
+                  <a:alpha val="100000"/>
+                </a:srgbClr>
+              </a:solidFill>
+              <a:prstDash val="solid"/>
+              <a:round/>
+            </a:ln>
+          </p:spPr>
+          <p:txBody>
+            <a:bodyPr/>
+            <a:lstStyle/>
+            <a:p/>
+          </p:txBody>
+        </p:sp>
+        <p:sp>
+          <p:nvSpPr>
+            <p:cNvPr id="110" name="tx110"/>
+            <p:cNvSpPr/>
+            <p:nvPr/>
+          </p:nvSpPr>
+          <p:spPr>
+            <a:xfrm>
+              <a:off x="1993785" y="4862809"/>
+              <a:ext cx="161528" cy="84311"/>
             </a:xfrm>
             <a:prstGeom prst="rect">
               <a:avLst/>
@@ -5720,21 +7155,21 @@
                   <a:latin typeface="Arial"/>
                   <a:cs typeface="Arial"/>
                 </a:rPr>
-                <a:t>0</a:t>
+                <a:t>0%</a:t>
               </a:r>
             </a:p>
           </p:txBody>
         </p:sp>
         <p:sp>
           <p:nvSpPr>
-            <p:cNvPr id="68" name="tx68"/>
-            <p:cNvSpPr/>
-            <p:nvPr/>
-          </p:nvSpPr>
-          <p:spPr>
-            <a:xfrm>
-              <a:off x="3421293" y="5699866"/>
-              <a:ext cx="186466" cy="81691"/>
+            <p:cNvPr id="111" name="tx111"/>
+            <p:cNvSpPr/>
+            <p:nvPr/>
+          </p:nvSpPr>
+          <p:spPr>
+            <a:xfrm>
+              <a:off x="1931629" y="3942108"/>
+              <a:ext cx="223683" cy="84311"/>
             </a:xfrm>
             <a:prstGeom prst="rect">
               <a:avLst/>
@@ -5766,21 +7201,21 @@
                   <a:latin typeface="Arial"/>
                   <a:cs typeface="Arial"/>
                 </a:rPr>
-                <a:t>500</a:t>
+                <a:t>10%</a:t>
               </a:r>
             </a:p>
           </p:txBody>
         </p:sp>
         <p:sp>
           <p:nvSpPr>
-            <p:cNvPr id="69" name="tx69"/>
-            <p:cNvSpPr/>
-            <p:nvPr/>
-          </p:nvSpPr>
-          <p:spPr>
-            <a:xfrm>
-              <a:off x="4881193" y="5699866"/>
-              <a:ext cx="248622" cy="81691"/>
+            <p:cNvPr id="112" name="tx112"/>
+            <p:cNvSpPr/>
+            <p:nvPr/>
+          </p:nvSpPr>
+          <p:spPr>
+            <a:xfrm>
+              <a:off x="1931629" y="3021408"/>
+              <a:ext cx="223683" cy="84311"/>
             </a:xfrm>
             <a:prstGeom prst="rect">
               <a:avLst/>
@@ -5812,21 +7247,21 @@
                   <a:latin typeface="Arial"/>
                   <a:cs typeface="Arial"/>
                 </a:rPr>
-                <a:t>1000</a:t>
+                <a:t>20%</a:t>
               </a:r>
             </a:p>
           </p:txBody>
         </p:sp>
         <p:sp>
           <p:nvSpPr>
-            <p:cNvPr id="70" name="tx70"/>
-            <p:cNvSpPr/>
-            <p:nvPr/>
-          </p:nvSpPr>
-          <p:spPr>
-            <a:xfrm>
-              <a:off x="6372170" y="5699866"/>
-              <a:ext cx="248622" cy="81691"/>
+            <p:cNvPr id="113" name="tx113"/>
+            <p:cNvSpPr/>
+            <p:nvPr/>
+          </p:nvSpPr>
+          <p:spPr>
+            <a:xfrm>
+              <a:off x="1931629" y="2100708"/>
+              <a:ext cx="223683" cy="84311"/>
             </a:xfrm>
             <a:prstGeom prst="rect">
               <a:avLst/>
@@ -5858,21 +7293,623 @@
                   <a:latin typeface="Arial"/>
                   <a:cs typeface="Arial"/>
                 </a:rPr>
-                <a:t>1500</a:t>
+                <a:t>30%</a:t>
               </a:r>
             </a:p>
           </p:txBody>
         </p:sp>
         <p:sp>
           <p:nvSpPr>
-            <p:cNvPr id="71" name="tx71"/>
-            <p:cNvSpPr/>
-            <p:nvPr/>
-          </p:nvSpPr>
-          <p:spPr>
-            <a:xfrm>
-              <a:off x="7863147" y="5699866"/>
-              <a:ext cx="248622" cy="81691"/>
+            <p:cNvPr id="114" name="pl114"/>
+            <p:cNvSpPr/>
+            <p:nvPr/>
+          </p:nvSpPr>
+          <p:spPr>
+            <a:xfrm>
+              <a:off x="2183149" y="4907120"/>
+              <a:ext cx="34794" cy="0"/>
+            </a:xfrm>
+            <a:custGeom>
+              <a:avLst/>
+              <a:pathLst>
+                <a:path w="34794" h="0">
+                  <a:moveTo>
+                    <a:pt x="0" y="0"/>
+                  </a:moveTo>
+                  <a:lnTo>
+                    <a:pt x="34794" y="0"/>
+                  </a:lnTo>
+                </a:path>
+              </a:pathLst>
+            </a:custGeom>
+            <a:ln w="13550" cap="flat">
+              <a:solidFill>
+                <a:srgbClr val="333333">
+                  <a:alpha val="100000"/>
+                </a:srgbClr>
+              </a:solidFill>
+              <a:prstDash val="solid"/>
+              <a:round/>
+            </a:ln>
+          </p:spPr>
+          <p:txBody>
+            <a:bodyPr/>
+            <a:lstStyle/>
+            <a:p/>
+          </p:txBody>
+        </p:sp>
+        <p:sp>
+          <p:nvSpPr>
+            <p:cNvPr id="115" name="pl115"/>
+            <p:cNvSpPr/>
+            <p:nvPr/>
+          </p:nvSpPr>
+          <p:spPr>
+            <a:xfrm>
+              <a:off x="2183149" y="3986419"/>
+              <a:ext cx="34794" cy="0"/>
+            </a:xfrm>
+            <a:custGeom>
+              <a:avLst/>
+              <a:pathLst>
+                <a:path w="34794" h="0">
+                  <a:moveTo>
+                    <a:pt x="0" y="0"/>
+                  </a:moveTo>
+                  <a:lnTo>
+                    <a:pt x="34794" y="0"/>
+                  </a:lnTo>
+                </a:path>
+              </a:pathLst>
+            </a:custGeom>
+            <a:ln w="13550" cap="flat">
+              <a:solidFill>
+                <a:srgbClr val="333333">
+                  <a:alpha val="100000"/>
+                </a:srgbClr>
+              </a:solidFill>
+              <a:prstDash val="solid"/>
+              <a:round/>
+            </a:ln>
+          </p:spPr>
+          <p:txBody>
+            <a:bodyPr/>
+            <a:lstStyle/>
+            <a:p/>
+          </p:txBody>
+        </p:sp>
+        <p:sp>
+          <p:nvSpPr>
+            <p:cNvPr id="116" name="pl116"/>
+            <p:cNvSpPr/>
+            <p:nvPr/>
+          </p:nvSpPr>
+          <p:spPr>
+            <a:xfrm>
+              <a:off x="2183149" y="3065719"/>
+              <a:ext cx="34794" cy="0"/>
+            </a:xfrm>
+            <a:custGeom>
+              <a:avLst/>
+              <a:pathLst>
+                <a:path w="34794" h="0">
+                  <a:moveTo>
+                    <a:pt x="0" y="0"/>
+                  </a:moveTo>
+                  <a:lnTo>
+                    <a:pt x="34794" y="0"/>
+                  </a:lnTo>
+                </a:path>
+              </a:pathLst>
+            </a:custGeom>
+            <a:ln w="13550" cap="flat">
+              <a:solidFill>
+                <a:srgbClr val="333333">
+                  <a:alpha val="100000"/>
+                </a:srgbClr>
+              </a:solidFill>
+              <a:prstDash val="solid"/>
+              <a:round/>
+            </a:ln>
+          </p:spPr>
+          <p:txBody>
+            <a:bodyPr/>
+            <a:lstStyle/>
+            <a:p/>
+          </p:txBody>
+        </p:sp>
+        <p:sp>
+          <p:nvSpPr>
+            <p:cNvPr id="117" name="pl117"/>
+            <p:cNvSpPr/>
+            <p:nvPr/>
+          </p:nvSpPr>
+          <p:spPr>
+            <a:xfrm>
+              <a:off x="2183149" y="2145019"/>
+              <a:ext cx="34794" cy="0"/>
+            </a:xfrm>
+            <a:custGeom>
+              <a:avLst/>
+              <a:pathLst>
+                <a:path w="34794" h="0">
+                  <a:moveTo>
+                    <a:pt x="0" y="0"/>
+                  </a:moveTo>
+                  <a:lnTo>
+                    <a:pt x="34794" y="0"/>
+                  </a:lnTo>
+                </a:path>
+              </a:pathLst>
+            </a:custGeom>
+            <a:ln w="13550" cap="flat">
+              <a:solidFill>
+                <a:srgbClr val="333333">
+                  <a:alpha val="100000"/>
+                </a:srgbClr>
+              </a:solidFill>
+              <a:prstDash val="solid"/>
+              <a:round/>
+            </a:ln>
+          </p:spPr>
+          <p:txBody>
+            <a:bodyPr/>
+            <a:lstStyle/>
+            <a:p/>
+          </p:txBody>
+        </p:sp>
+        <p:sp>
+          <p:nvSpPr>
+            <p:cNvPr id="118" name="rc118"/>
+            <p:cNvSpPr/>
+            <p:nvPr/>
+          </p:nvSpPr>
+          <p:spPr>
+            <a:xfrm>
+              <a:off x="3735671" y="5394142"/>
+              <a:ext cx="3683692" cy="578090"/>
+            </a:xfrm>
+            <a:prstGeom prst="rect">
+              <a:avLst/>
+            </a:prstGeom>
+            <a:solidFill>
+              <a:srgbClr val="FFFFFF">
+                <a:alpha val="100000"/>
+              </a:srgbClr>
+            </a:solidFill>
+          </p:spPr>
+          <p:txBody>
+            <a:bodyPr/>
+            <a:lstStyle/>
+            <a:p/>
+          </p:txBody>
+        </p:sp>
+        <p:sp>
+          <p:nvSpPr>
+            <p:cNvPr id="119" name="rc119"/>
+            <p:cNvSpPr/>
+            <p:nvPr/>
+          </p:nvSpPr>
+          <p:spPr>
+            <a:xfrm>
+              <a:off x="3874849" y="5463731"/>
+              <a:ext cx="219456" cy="219455"/>
+            </a:xfrm>
+            <a:prstGeom prst="rect">
+              <a:avLst/>
+            </a:prstGeom>
+            <a:solidFill>
+              <a:srgbClr val="FFFFFF">
+                <a:alpha val="100000"/>
+              </a:srgbClr>
+            </a:solidFill>
+          </p:spPr>
+          <p:txBody>
+            <a:bodyPr/>
+            <a:lstStyle/>
+            <a:p/>
+          </p:txBody>
+        </p:sp>
+        <p:sp>
+          <p:nvSpPr>
+            <p:cNvPr id="120" name="rc120"/>
+            <p:cNvSpPr/>
+            <p:nvPr/>
+          </p:nvSpPr>
+          <p:spPr>
+            <a:xfrm>
+              <a:off x="3883849" y="5472731"/>
+              <a:ext cx="201455" cy="201456"/>
+            </a:xfrm>
+            <a:prstGeom prst="rect">
+              <a:avLst/>
+            </a:prstGeom>
+            <a:solidFill>
+              <a:srgbClr val="FFF5F0">
+                <a:alpha val="100000"/>
+              </a:srgbClr>
+            </a:solidFill>
+          </p:spPr>
+          <p:txBody>
+            <a:bodyPr/>
+            <a:lstStyle/>
+            <a:p/>
+          </p:txBody>
+        </p:sp>
+        <p:sp>
+          <p:nvSpPr>
+            <p:cNvPr id="121" name="rc121"/>
+            <p:cNvSpPr/>
+            <p:nvPr/>
+          </p:nvSpPr>
+          <p:spPr>
+            <a:xfrm>
+              <a:off x="3874849" y="5683187"/>
+              <a:ext cx="219456" cy="219455"/>
+            </a:xfrm>
+            <a:prstGeom prst="rect">
+              <a:avLst/>
+            </a:prstGeom>
+            <a:solidFill>
+              <a:srgbClr val="FFFFFF">
+                <a:alpha val="100000"/>
+              </a:srgbClr>
+            </a:solidFill>
+          </p:spPr>
+          <p:txBody>
+            <a:bodyPr/>
+            <a:lstStyle/>
+            <a:p/>
+          </p:txBody>
+        </p:sp>
+        <p:sp>
+          <p:nvSpPr>
+            <p:cNvPr id="122" name="rc122"/>
+            <p:cNvSpPr/>
+            <p:nvPr/>
+          </p:nvSpPr>
+          <p:spPr>
+            <a:xfrm>
+              <a:off x="3883849" y="5692187"/>
+              <a:ext cx="201455" cy="201456"/>
+            </a:xfrm>
+            <a:prstGeom prst="rect">
+              <a:avLst/>
+            </a:prstGeom>
+            <a:solidFill>
+              <a:srgbClr val="FEE0D2">
+                <a:alpha val="100000"/>
+              </a:srgbClr>
+            </a:solidFill>
+          </p:spPr>
+          <p:txBody>
+            <a:bodyPr/>
+            <a:lstStyle/>
+            <a:p/>
+          </p:txBody>
+        </p:sp>
+        <p:sp>
+          <p:nvSpPr>
+            <p:cNvPr id="123" name="rc123"/>
+            <p:cNvSpPr/>
+            <p:nvPr/>
+          </p:nvSpPr>
+          <p:spPr>
+            <a:xfrm>
+              <a:off x="4649764" y="5463731"/>
+              <a:ext cx="219455" cy="219455"/>
+            </a:xfrm>
+            <a:prstGeom prst="rect">
+              <a:avLst/>
+            </a:prstGeom>
+            <a:solidFill>
+              <a:srgbClr val="FFFFFF">
+                <a:alpha val="100000"/>
+              </a:srgbClr>
+            </a:solidFill>
+          </p:spPr>
+          <p:txBody>
+            <a:bodyPr/>
+            <a:lstStyle/>
+            <a:p/>
+          </p:txBody>
+        </p:sp>
+        <p:sp>
+          <p:nvSpPr>
+            <p:cNvPr id="124" name="rc124"/>
+            <p:cNvSpPr/>
+            <p:nvPr/>
+          </p:nvSpPr>
+          <p:spPr>
+            <a:xfrm>
+              <a:off x="4658764" y="5472731"/>
+              <a:ext cx="201456" cy="201456"/>
+            </a:xfrm>
+            <a:prstGeom prst="rect">
+              <a:avLst/>
+            </a:prstGeom>
+            <a:solidFill>
+              <a:srgbClr val="FCBBA1">
+                <a:alpha val="100000"/>
+              </a:srgbClr>
+            </a:solidFill>
+          </p:spPr>
+          <p:txBody>
+            <a:bodyPr/>
+            <a:lstStyle/>
+            <a:p/>
+          </p:txBody>
+        </p:sp>
+        <p:sp>
+          <p:nvSpPr>
+            <p:cNvPr id="125" name="rc125"/>
+            <p:cNvSpPr/>
+            <p:nvPr/>
+          </p:nvSpPr>
+          <p:spPr>
+            <a:xfrm>
+              <a:off x="4649764" y="5683187"/>
+              <a:ext cx="219455" cy="219455"/>
+            </a:xfrm>
+            <a:prstGeom prst="rect">
+              <a:avLst/>
+            </a:prstGeom>
+            <a:solidFill>
+              <a:srgbClr val="FFFFFF">
+                <a:alpha val="100000"/>
+              </a:srgbClr>
+            </a:solidFill>
+          </p:spPr>
+          <p:txBody>
+            <a:bodyPr/>
+            <a:lstStyle/>
+            <a:p/>
+          </p:txBody>
+        </p:sp>
+        <p:sp>
+          <p:nvSpPr>
+            <p:cNvPr id="126" name="rc126"/>
+            <p:cNvSpPr/>
+            <p:nvPr/>
+          </p:nvSpPr>
+          <p:spPr>
+            <a:xfrm>
+              <a:off x="4658764" y="5692187"/>
+              <a:ext cx="201456" cy="201456"/>
+            </a:xfrm>
+            <a:prstGeom prst="rect">
+              <a:avLst/>
+            </a:prstGeom>
+            <a:solidFill>
+              <a:srgbClr val="FC9272">
+                <a:alpha val="100000"/>
+              </a:srgbClr>
+            </a:solidFill>
+          </p:spPr>
+          <p:txBody>
+            <a:bodyPr/>
+            <a:lstStyle/>
+            <a:p/>
+          </p:txBody>
+        </p:sp>
+        <p:sp>
+          <p:nvSpPr>
+            <p:cNvPr id="127" name="rc127"/>
+            <p:cNvSpPr/>
+            <p:nvPr/>
+          </p:nvSpPr>
+          <p:spPr>
+            <a:xfrm>
+              <a:off x="5551780" y="5463731"/>
+              <a:ext cx="219455" cy="219455"/>
+            </a:xfrm>
+            <a:prstGeom prst="rect">
+              <a:avLst/>
+            </a:prstGeom>
+            <a:solidFill>
+              <a:srgbClr val="FFFFFF">
+                <a:alpha val="100000"/>
+              </a:srgbClr>
+            </a:solidFill>
+          </p:spPr>
+          <p:txBody>
+            <a:bodyPr/>
+            <a:lstStyle/>
+            <a:p/>
+          </p:txBody>
+        </p:sp>
+        <p:sp>
+          <p:nvSpPr>
+            <p:cNvPr id="128" name="rc128"/>
+            <p:cNvSpPr/>
+            <p:nvPr/>
+          </p:nvSpPr>
+          <p:spPr>
+            <a:xfrm>
+              <a:off x="5560780" y="5472731"/>
+              <a:ext cx="201456" cy="201456"/>
+            </a:xfrm>
+            <a:prstGeom prst="rect">
+              <a:avLst/>
+            </a:prstGeom>
+            <a:solidFill>
+              <a:srgbClr val="FB6A4A">
+                <a:alpha val="100000"/>
+              </a:srgbClr>
+            </a:solidFill>
+          </p:spPr>
+          <p:txBody>
+            <a:bodyPr/>
+            <a:lstStyle/>
+            <a:p/>
+          </p:txBody>
+        </p:sp>
+        <p:sp>
+          <p:nvSpPr>
+            <p:cNvPr id="129" name="rc129"/>
+            <p:cNvSpPr/>
+            <p:nvPr/>
+          </p:nvSpPr>
+          <p:spPr>
+            <a:xfrm>
+              <a:off x="5551780" y="5683187"/>
+              <a:ext cx="219455" cy="219455"/>
+            </a:xfrm>
+            <a:prstGeom prst="rect">
+              <a:avLst/>
+            </a:prstGeom>
+            <a:solidFill>
+              <a:srgbClr val="FFFFFF">
+                <a:alpha val="100000"/>
+              </a:srgbClr>
+            </a:solidFill>
+          </p:spPr>
+          <p:txBody>
+            <a:bodyPr/>
+            <a:lstStyle/>
+            <a:p/>
+          </p:txBody>
+        </p:sp>
+        <p:sp>
+          <p:nvSpPr>
+            <p:cNvPr id="130" name="rc130"/>
+            <p:cNvSpPr/>
+            <p:nvPr/>
+          </p:nvSpPr>
+          <p:spPr>
+            <a:xfrm>
+              <a:off x="5560780" y="5692187"/>
+              <a:ext cx="201456" cy="201456"/>
+            </a:xfrm>
+            <a:prstGeom prst="rect">
+              <a:avLst/>
+            </a:prstGeom>
+            <a:solidFill>
+              <a:srgbClr val="EF3B2C">
+                <a:alpha val="100000"/>
+              </a:srgbClr>
+            </a:solidFill>
+          </p:spPr>
+          <p:txBody>
+            <a:bodyPr/>
+            <a:lstStyle/>
+            <a:p/>
+          </p:txBody>
+        </p:sp>
+        <p:sp>
+          <p:nvSpPr>
+            <p:cNvPr id="131" name="rc131"/>
+            <p:cNvSpPr/>
+            <p:nvPr/>
+          </p:nvSpPr>
+          <p:spPr>
+            <a:xfrm>
+              <a:off x="6453797" y="5463731"/>
+              <a:ext cx="219456" cy="219455"/>
+            </a:xfrm>
+            <a:prstGeom prst="rect">
+              <a:avLst/>
+            </a:prstGeom>
+            <a:solidFill>
+              <a:srgbClr val="FFFFFF">
+                <a:alpha val="100000"/>
+              </a:srgbClr>
+            </a:solidFill>
+          </p:spPr>
+          <p:txBody>
+            <a:bodyPr/>
+            <a:lstStyle/>
+            <a:p/>
+          </p:txBody>
+        </p:sp>
+        <p:sp>
+          <p:nvSpPr>
+            <p:cNvPr id="132" name="rc132"/>
+            <p:cNvSpPr/>
+            <p:nvPr/>
+          </p:nvSpPr>
+          <p:spPr>
+            <a:xfrm>
+              <a:off x="6462797" y="5472731"/>
+              <a:ext cx="201456" cy="201456"/>
+            </a:xfrm>
+            <a:prstGeom prst="rect">
+              <a:avLst/>
+            </a:prstGeom>
+            <a:solidFill>
+              <a:srgbClr val="CB181D">
+                <a:alpha val="100000"/>
+              </a:srgbClr>
+            </a:solidFill>
+          </p:spPr>
+          <p:txBody>
+            <a:bodyPr/>
+            <a:lstStyle/>
+            <a:p/>
+          </p:txBody>
+        </p:sp>
+        <p:sp>
+          <p:nvSpPr>
+            <p:cNvPr id="133" name="rc133"/>
+            <p:cNvSpPr/>
+            <p:nvPr/>
+          </p:nvSpPr>
+          <p:spPr>
+            <a:xfrm>
+              <a:off x="6453797" y="5683187"/>
+              <a:ext cx="219456" cy="219455"/>
+            </a:xfrm>
+            <a:prstGeom prst="rect">
+              <a:avLst/>
+            </a:prstGeom>
+            <a:solidFill>
+              <a:srgbClr val="FFFFFF">
+                <a:alpha val="100000"/>
+              </a:srgbClr>
+            </a:solidFill>
+          </p:spPr>
+          <p:txBody>
+            <a:bodyPr/>
+            <a:lstStyle/>
+            <a:p/>
+          </p:txBody>
+        </p:sp>
+        <p:sp>
+          <p:nvSpPr>
+            <p:cNvPr id="134" name="rc134"/>
+            <p:cNvSpPr/>
+            <p:nvPr/>
+          </p:nvSpPr>
+          <p:spPr>
+            <a:xfrm>
+              <a:off x="6462797" y="5692187"/>
+              <a:ext cx="201456" cy="201456"/>
+            </a:xfrm>
+            <a:prstGeom prst="rect">
+              <a:avLst/>
+            </a:prstGeom>
+            <a:solidFill>
+              <a:srgbClr val="99000D">
+                <a:alpha val="100000"/>
+              </a:srgbClr>
+            </a:solidFill>
+          </p:spPr>
+          <p:txBody>
+            <a:bodyPr/>
+            <a:lstStyle/>
+            <a:p/>
+          </p:txBody>
+        </p:sp>
+        <p:sp>
+          <p:nvSpPr>
+            <p:cNvPr id="135" name="tx135"/>
+            <p:cNvSpPr/>
+            <p:nvPr/>
+          </p:nvSpPr>
+          <p:spPr>
+            <a:xfrm>
+              <a:off x="4163894" y="5531767"/>
+              <a:ext cx="269468" cy="81691"/>
             </a:xfrm>
             <a:prstGeom prst="rect">
               <a:avLst/>
@@ -5897,14 +7934,336 @@
               <a:r>
                 <a:rPr sz="880">
                   <a:solidFill>
-                    <a:srgbClr val="4D4D4D">
+                    <a:srgbClr val="000000">
                       <a:alpha val="100000"/>
                     </a:srgbClr>
                   </a:solidFill>
                   <a:latin typeface="Arial"/>
                   <a:cs typeface="Arial"/>
                 </a:rPr>
-                <a:t>2000</a:t>
+                <a:t>≤10亿</a:t>
+              </a:r>
+            </a:p>
+          </p:txBody>
+        </p:sp>
+        <p:sp>
+          <p:nvSpPr>
+            <p:cNvPr id="136" name="tx136"/>
+            <p:cNvSpPr/>
+            <p:nvPr/>
+          </p:nvSpPr>
+          <p:spPr>
+            <a:xfrm>
+              <a:off x="4163894" y="5751223"/>
+              <a:ext cx="393779" cy="81691"/>
+            </a:xfrm>
+            <a:prstGeom prst="rect">
+              <a:avLst/>
+            </a:prstGeom>
+            <a:noFill/>
+          </p:spPr>
+          <p:txBody>
+            <a:bodyPr lIns="0" rIns="0" tIns="0" bIns="0" anchorCtr="1" anchor="ctr" wrap="none"/>
+            <a:lstStyle/>
+            <a:p>
+              <a:pPr algn="l" marL="0" marR="0" indent="0">
+                <a:lnSpc>
+                  <a:spcPts val="880"/>
+                </a:lnSpc>
+                <a:spcBef>
+                  <a:spcPts val="0"/>
+                </a:spcBef>
+                <a:spcAft>
+                  <a:spcPts val="0"/>
+                </a:spcAft>
+              </a:pPr>
+              <a:r>
+                <a:rPr sz="880">
+                  <a:solidFill>
+                    <a:srgbClr val="000000">
+                      <a:alpha val="100000"/>
+                    </a:srgbClr>
+                  </a:solidFill>
+                  <a:latin typeface="Arial"/>
+                  <a:cs typeface="Arial"/>
+                </a:rPr>
+                <a:t>≥1000亿</a:t>
+              </a:r>
+            </a:p>
+          </p:txBody>
+        </p:sp>
+        <p:sp>
+          <p:nvSpPr>
+            <p:cNvPr id="137" name="tx137"/>
+            <p:cNvSpPr/>
+            <p:nvPr/>
+          </p:nvSpPr>
+          <p:spPr>
+            <a:xfrm>
+              <a:off x="4938809" y="5531767"/>
+              <a:ext cx="369659" cy="81691"/>
+            </a:xfrm>
+            <a:prstGeom prst="rect">
+              <a:avLst/>
+            </a:prstGeom>
+            <a:noFill/>
+          </p:spPr>
+          <p:txBody>
+            <a:bodyPr lIns="0" rIns="0" tIns="0" bIns="0" anchorCtr="1" anchor="ctr" wrap="none"/>
+            <a:lstStyle/>
+            <a:p>
+              <a:pPr algn="l" marL="0" marR="0" indent="0">
+                <a:lnSpc>
+                  <a:spcPts val="880"/>
+                </a:lnSpc>
+                <a:spcBef>
+                  <a:spcPts val="0"/>
+                </a:spcBef>
+                <a:spcAft>
+                  <a:spcPts val="0"/>
+                </a:spcAft>
+              </a:pPr>
+              <a:r>
+                <a:rPr sz="880">
+                  <a:solidFill>
+                    <a:srgbClr val="000000">
+                      <a:alpha val="100000"/>
+                    </a:srgbClr>
+                  </a:solidFill>
+                  <a:latin typeface="Arial"/>
+                  <a:cs typeface="Arial"/>
+                </a:rPr>
+                <a:t>10-50亿</a:t>
+              </a:r>
+            </a:p>
+          </p:txBody>
+        </p:sp>
+        <p:sp>
+          <p:nvSpPr>
+            <p:cNvPr id="138" name="tx138"/>
+            <p:cNvSpPr/>
+            <p:nvPr/>
+          </p:nvSpPr>
+          <p:spPr>
+            <a:xfrm>
+              <a:off x="4938809" y="5751169"/>
+              <a:ext cx="493970" cy="81746"/>
+            </a:xfrm>
+            <a:prstGeom prst="rect">
+              <a:avLst/>
+            </a:prstGeom>
+            <a:noFill/>
+          </p:spPr>
+          <p:txBody>
+            <a:bodyPr lIns="0" rIns="0" tIns="0" bIns="0" anchorCtr="1" anchor="ctr" wrap="none"/>
+            <a:lstStyle/>
+            <a:p>
+              <a:pPr algn="l" marL="0" marR="0" indent="0">
+                <a:lnSpc>
+                  <a:spcPts val="880"/>
+                </a:lnSpc>
+                <a:spcBef>
+                  <a:spcPts val="0"/>
+                </a:spcBef>
+                <a:spcAft>
+                  <a:spcPts val="0"/>
+                </a:spcAft>
+              </a:pPr>
+              <a:r>
+                <a:rPr sz="880">
+                  <a:solidFill>
+                    <a:srgbClr val="000000">
+                      <a:alpha val="100000"/>
+                    </a:srgbClr>
+                  </a:solidFill>
+                  <a:latin typeface="Arial"/>
+                  <a:cs typeface="Arial"/>
+                </a:rPr>
+                <a:t>100-300亿</a:t>
+              </a:r>
+            </a:p>
+          </p:txBody>
+        </p:sp>
+        <p:sp>
+          <p:nvSpPr>
+            <p:cNvPr id="139" name="tx139"/>
+            <p:cNvSpPr/>
+            <p:nvPr/>
+          </p:nvSpPr>
+          <p:spPr>
+            <a:xfrm>
+              <a:off x="5840825" y="5531713"/>
+              <a:ext cx="493970" cy="81746"/>
+            </a:xfrm>
+            <a:prstGeom prst="rect">
+              <a:avLst/>
+            </a:prstGeom>
+            <a:noFill/>
+          </p:spPr>
+          <p:txBody>
+            <a:bodyPr lIns="0" rIns="0" tIns="0" bIns="0" anchorCtr="1" anchor="ctr" wrap="none"/>
+            <a:lstStyle/>
+            <a:p>
+              <a:pPr algn="l" marL="0" marR="0" indent="0">
+                <a:lnSpc>
+                  <a:spcPts val="880"/>
+                </a:lnSpc>
+                <a:spcBef>
+                  <a:spcPts val="0"/>
+                </a:spcBef>
+                <a:spcAft>
+                  <a:spcPts val="0"/>
+                </a:spcAft>
+              </a:pPr>
+              <a:r>
+                <a:rPr sz="880">
+                  <a:solidFill>
+                    <a:srgbClr val="000000">
+                      <a:alpha val="100000"/>
+                    </a:srgbClr>
+                  </a:solidFill>
+                  <a:latin typeface="Arial"/>
+                  <a:cs typeface="Arial"/>
+                </a:rPr>
+                <a:t>300-500亿</a:t>
+              </a:r>
+            </a:p>
+          </p:txBody>
+        </p:sp>
+        <p:sp>
+          <p:nvSpPr>
+            <p:cNvPr id="140" name="tx140"/>
+            <p:cNvSpPr/>
+            <p:nvPr/>
+          </p:nvSpPr>
+          <p:spPr>
+            <a:xfrm>
+              <a:off x="5840825" y="5751223"/>
+              <a:ext cx="431814" cy="81691"/>
+            </a:xfrm>
+            <a:prstGeom prst="rect">
+              <a:avLst/>
+            </a:prstGeom>
+            <a:noFill/>
+          </p:spPr>
+          <p:txBody>
+            <a:bodyPr lIns="0" rIns="0" tIns="0" bIns="0" anchorCtr="1" anchor="ctr" wrap="none"/>
+            <a:lstStyle/>
+            <a:p>
+              <a:pPr algn="l" marL="0" marR="0" indent="0">
+                <a:lnSpc>
+                  <a:spcPts val="880"/>
+                </a:lnSpc>
+                <a:spcBef>
+                  <a:spcPts val="0"/>
+                </a:spcBef>
+                <a:spcAft>
+                  <a:spcPts val="0"/>
+                </a:spcAft>
+              </a:pPr>
+              <a:r>
+                <a:rPr sz="880">
+                  <a:solidFill>
+                    <a:srgbClr val="000000">
+                      <a:alpha val="100000"/>
+                    </a:srgbClr>
+                  </a:solidFill>
+                  <a:latin typeface="Arial"/>
+                  <a:cs typeface="Arial"/>
+                </a:rPr>
+                <a:t>50-100亿</a:t>
+              </a:r>
+            </a:p>
+          </p:txBody>
+        </p:sp>
+        <p:sp>
+          <p:nvSpPr>
+            <p:cNvPr id="141" name="tx141"/>
+            <p:cNvSpPr/>
+            <p:nvPr/>
+          </p:nvSpPr>
+          <p:spPr>
+            <a:xfrm>
+              <a:off x="6742842" y="5531767"/>
+              <a:ext cx="556126" cy="81691"/>
+            </a:xfrm>
+            <a:prstGeom prst="rect">
+              <a:avLst/>
+            </a:prstGeom>
+            <a:noFill/>
+          </p:spPr>
+          <p:txBody>
+            <a:bodyPr lIns="0" rIns="0" tIns="0" bIns="0" anchorCtr="1" anchor="ctr" wrap="none"/>
+            <a:lstStyle/>
+            <a:p>
+              <a:pPr algn="l" marL="0" marR="0" indent="0">
+                <a:lnSpc>
+                  <a:spcPts val="880"/>
+                </a:lnSpc>
+                <a:spcBef>
+                  <a:spcPts val="0"/>
+                </a:spcBef>
+                <a:spcAft>
+                  <a:spcPts val="0"/>
+                </a:spcAft>
+              </a:pPr>
+              <a:r>
+                <a:rPr sz="880">
+                  <a:solidFill>
+                    <a:srgbClr val="000000">
+                      <a:alpha val="100000"/>
+                    </a:srgbClr>
+                  </a:solidFill>
+                  <a:latin typeface="Arial"/>
+                  <a:cs typeface="Arial"/>
+                </a:rPr>
+                <a:t>500-1000亿</a:t>
+              </a:r>
+            </a:p>
+          </p:txBody>
+        </p:sp>
+        <p:sp>
+          <p:nvSpPr>
+            <p:cNvPr id="142" name="tx142"/>
+            <p:cNvSpPr/>
+            <p:nvPr/>
+          </p:nvSpPr>
+          <p:spPr>
+            <a:xfrm>
+              <a:off x="6742842" y="5763065"/>
+              <a:ext cx="335280" cy="69850"/>
+            </a:xfrm>
+            <a:prstGeom prst="rect">
+              <a:avLst/>
+            </a:prstGeom>
+            <a:noFill/>
+          </p:spPr>
+          <p:txBody>
+            <a:bodyPr lIns="0" rIns="0" tIns="0" bIns="0" anchorCtr="1" anchor="ctr" wrap="none"/>
+            <a:lstStyle/>
+            <a:p>
+              <a:pPr algn="l" marL="0" marR="0" indent="0">
+                <a:lnSpc>
+                  <a:spcPts val="880"/>
+                </a:lnSpc>
+                <a:spcBef>
+                  <a:spcPts val="0"/>
+                </a:spcBef>
+                <a:spcAft>
+                  <a:spcPts val="0"/>
+                </a:spcAft>
+              </a:pPr>
+              <a:r>
+                <a:rPr sz="880">
+                  <a:solidFill>
+                    <a:srgbClr val="000000">
+                      <a:alpha val="100000"/>
+                    </a:srgbClr>
+                  </a:solidFill>
+                  <a:latin typeface="Arial"/>
+                  <a:cs typeface="Arial"/>
+                </a:rPr>
+                <a:t>不应摄入</a:t>
               </a:r>
             </a:p>
           </p:txBody>
